--- a/doc/结题报告.pptx
+++ b/doc/结题报告.pptx
@@ -4,6 +4,9 @@
   <p:sldMasterIdLst>
     <p:sldMasterId id="2147483648" r:id="rId1"/>
   </p:sldMasterIdLst>
+  <p:notesMasterIdLst>
+    <p:notesMasterId r:id="rId18"/>
+  </p:notesMasterIdLst>
   <p:sldIdLst>
     <p:sldId id="256" r:id="rId2"/>
     <p:sldId id="284" r:id="rId3"/>
@@ -127,6 +130,2124 @@
 </p:presentation>
 </file>
 
+<file path=ppt/notesMasters/notesMaster1.xml><?xml version="1.0" encoding="utf-8"?>
+<p:notesMaster xmlns:a="http://schemas.openxmlformats.org/drawingml/2006/main" xmlns:r="http://schemas.openxmlformats.org/officeDocument/2006/relationships" xmlns:p="http://schemas.openxmlformats.org/presentationml/2006/main">
+  <p:cSld>
+    <p:bg>
+      <p:bgRef idx="1001">
+        <a:schemeClr val="bg1"/>
+      </p:bgRef>
+    </p:bg>
+    <p:spTree>
+      <p:nvGrpSpPr>
+        <p:cNvPr id="1" name=""/>
+        <p:cNvGrpSpPr/>
+        <p:nvPr/>
+      </p:nvGrpSpPr>
+      <p:grpSpPr>
+        <a:xfrm>
+          <a:off x="0" y="0"/>
+          <a:ext cx="0" cy="0"/>
+          <a:chOff x="0" y="0"/>
+          <a:chExt cx="0" cy="0"/>
+        </a:xfrm>
+      </p:grpSpPr>
+      <p:sp>
+        <p:nvSpPr>
+          <p:cNvPr id="2" name="页眉占位符 1"/>
+          <p:cNvSpPr>
+            <a:spLocks noGrp="1"/>
+          </p:cNvSpPr>
+          <p:nvPr>
+            <p:ph type="hdr" sz="quarter"/>
+          </p:nvPr>
+        </p:nvSpPr>
+        <p:spPr>
+          <a:xfrm>
+            <a:off x="0" y="0"/>
+            <a:ext cx="2971800" cy="458788"/>
+          </a:xfrm>
+          <a:prstGeom prst="rect">
+            <a:avLst/>
+          </a:prstGeom>
+        </p:spPr>
+        <p:txBody>
+          <a:bodyPr vert="horz" lIns="91440" tIns="45720" rIns="91440" bIns="45720" rtlCol="0"/>
+          <a:lstStyle>
+            <a:lvl1pPr algn="l">
+              <a:defRPr sz="1200"/>
+            </a:lvl1pPr>
+          </a:lstStyle>
+          <a:p>
+            <a:endParaRPr lang="zh-CN" altLang="en-US"/>
+          </a:p>
+        </p:txBody>
+      </p:sp>
+      <p:sp>
+        <p:nvSpPr>
+          <p:cNvPr id="3" name="日期占位符 2"/>
+          <p:cNvSpPr>
+            <a:spLocks noGrp="1"/>
+          </p:cNvSpPr>
+          <p:nvPr>
+            <p:ph type="dt" idx="1"/>
+          </p:nvPr>
+        </p:nvSpPr>
+        <p:spPr>
+          <a:xfrm>
+            <a:off x="3884613" y="0"/>
+            <a:ext cx="2971800" cy="458788"/>
+          </a:xfrm>
+          <a:prstGeom prst="rect">
+            <a:avLst/>
+          </a:prstGeom>
+        </p:spPr>
+        <p:txBody>
+          <a:bodyPr vert="horz" lIns="91440" tIns="45720" rIns="91440" bIns="45720" rtlCol="0"/>
+          <a:lstStyle>
+            <a:lvl1pPr algn="r">
+              <a:defRPr sz="1200"/>
+            </a:lvl1pPr>
+          </a:lstStyle>
+          <a:p>
+            <a:fld id="{66897B88-9C06-47A1-B8E3-C6EFE72EC1BA}" type="datetimeFigureOut">
+              <a:rPr lang="zh-CN" altLang="en-US" smtClean="0"/>
+              <a:t>2020/6/3</a:t>
+            </a:fld>
+            <a:endParaRPr lang="zh-CN" altLang="en-US"/>
+          </a:p>
+        </p:txBody>
+      </p:sp>
+      <p:sp>
+        <p:nvSpPr>
+          <p:cNvPr id="4" name="幻灯片图像占位符 3"/>
+          <p:cNvSpPr>
+            <a:spLocks noGrp="1" noRot="1" noChangeAspect="1"/>
+          </p:cNvSpPr>
+          <p:nvPr>
+            <p:ph type="sldImg" idx="2"/>
+          </p:nvPr>
+        </p:nvSpPr>
+        <p:spPr>
+          <a:xfrm>
+            <a:off x="685800" y="1143000"/>
+            <a:ext cx="5486400" cy="3086100"/>
+          </a:xfrm>
+          <a:prstGeom prst="rect">
+            <a:avLst/>
+          </a:prstGeom>
+          <a:noFill/>
+          <a:ln w="12700">
+            <a:solidFill>
+              <a:prstClr val="black"/>
+            </a:solidFill>
+          </a:ln>
+        </p:spPr>
+        <p:txBody>
+          <a:bodyPr vert="horz" lIns="91440" tIns="45720" rIns="91440" bIns="45720" rtlCol="0" anchor="ctr"/>
+          <a:lstStyle/>
+          <a:p>
+            <a:endParaRPr lang="zh-CN" altLang="en-US"/>
+          </a:p>
+        </p:txBody>
+      </p:sp>
+      <p:sp>
+        <p:nvSpPr>
+          <p:cNvPr id="5" name="备注占位符 4"/>
+          <p:cNvSpPr>
+            <a:spLocks noGrp="1"/>
+          </p:cNvSpPr>
+          <p:nvPr>
+            <p:ph type="body" sz="quarter" idx="3"/>
+          </p:nvPr>
+        </p:nvSpPr>
+        <p:spPr>
+          <a:xfrm>
+            <a:off x="685800" y="4400550"/>
+            <a:ext cx="5486400" cy="3600450"/>
+          </a:xfrm>
+          <a:prstGeom prst="rect">
+            <a:avLst/>
+          </a:prstGeom>
+        </p:spPr>
+        <p:txBody>
+          <a:bodyPr vert="horz" lIns="91440" tIns="45720" rIns="91440" bIns="45720" rtlCol="0"/>
+          <a:lstStyle/>
+          <a:p>
+            <a:pPr lvl="0"/>
+            <a:r>
+              <a:rPr lang="zh-CN" altLang="en-US" smtClean="0"/>
+              <a:t>编辑母版文本样式</a:t>
+            </a:r>
+          </a:p>
+          <a:p>
+            <a:pPr lvl="1"/>
+            <a:r>
+              <a:rPr lang="zh-CN" altLang="en-US" smtClean="0"/>
+              <a:t>第二级</a:t>
+            </a:r>
+          </a:p>
+          <a:p>
+            <a:pPr lvl="2"/>
+            <a:r>
+              <a:rPr lang="zh-CN" altLang="en-US" smtClean="0"/>
+              <a:t>第三级</a:t>
+            </a:r>
+          </a:p>
+          <a:p>
+            <a:pPr lvl="3"/>
+            <a:r>
+              <a:rPr lang="zh-CN" altLang="en-US" smtClean="0"/>
+              <a:t>第四级</a:t>
+            </a:r>
+          </a:p>
+          <a:p>
+            <a:pPr lvl="4"/>
+            <a:r>
+              <a:rPr lang="zh-CN" altLang="en-US" smtClean="0"/>
+              <a:t>第五级</a:t>
+            </a:r>
+            <a:endParaRPr lang="zh-CN" altLang="en-US"/>
+          </a:p>
+        </p:txBody>
+      </p:sp>
+      <p:sp>
+        <p:nvSpPr>
+          <p:cNvPr id="6" name="页脚占位符 5"/>
+          <p:cNvSpPr>
+            <a:spLocks noGrp="1"/>
+          </p:cNvSpPr>
+          <p:nvPr>
+            <p:ph type="ftr" sz="quarter" idx="4"/>
+          </p:nvPr>
+        </p:nvSpPr>
+        <p:spPr>
+          <a:xfrm>
+            <a:off x="0" y="8685213"/>
+            <a:ext cx="2971800" cy="458787"/>
+          </a:xfrm>
+          <a:prstGeom prst="rect">
+            <a:avLst/>
+          </a:prstGeom>
+        </p:spPr>
+        <p:txBody>
+          <a:bodyPr vert="horz" lIns="91440" tIns="45720" rIns="91440" bIns="45720" rtlCol="0" anchor="b"/>
+          <a:lstStyle>
+            <a:lvl1pPr algn="l">
+              <a:defRPr sz="1200"/>
+            </a:lvl1pPr>
+          </a:lstStyle>
+          <a:p>
+            <a:endParaRPr lang="zh-CN" altLang="en-US"/>
+          </a:p>
+        </p:txBody>
+      </p:sp>
+      <p:sp>
+        <p:nvSpPr>
+          <p:cNvPr id="7" name="灯片编号占位符 6"/>
+          <p:cNvSpPr>
+            <a:spLocks noGrp="1"/>
+          </p:cNvSpPr>
+          <p:nvPr>
+            <p:ph type="sldNum" sz="quarter" idx="5"/>
+          </p:nvPr>
+        </p:nvSpPr>
+        <p:spPr>
+          <a:xfrm>
+            <a:off x="3884613" y="8685213"/>
+            <a:ext cx="2971800" cy="458787"/>
+          </a:xfrm>
+          <a:prstGeom prst="rect">
+            <a:avLst/>
+          </a:prstGeom>
+        </p:spPr>
+        <p:txBody>
+          <a:bodyPr vert="horz" lIns="91440" tIns="45720" rIns="91440" bIns="45720" rtlCol="0" anchor="b"/>
+          <a:lstStyle>
+            <a:lvl1pPr algn="r">
+              <a:defRPr sz="1200"/>
+            </a:lvl1pPr>
+          </a:lstStyle>
+          <a:p>
+            <a:fld id="{B86E8C81-5AD8-4EDA-A7C1-13F902D5892F}" type="slidenum">
+              <a:rPr lang="zh-CN" altLang="en-US" smtClean="0"/>
+              <a:t>‹#›</a:t>
+            </a:fld>
+            <a:endParaRPr lang="zh-CN" altLang="en-US"/>
+          </a:p>
+        </p:txBody>
+      </p:sp>
+    </p:spTree>
+    <p:extLst>
+      <p:ext uri="{BB962C8B-B14F-4D97-AF65-F5344CB8AC3E}">
+        <p14:creationId xmlns:p14="http://schemas.microsoft.com/office/powerpoint/2010/main" val="3689087296"/>
+      </p:ext>
+    </p:extLst>
+  </p:cSld>
+  <p:clrMap bg1="lt1" tx1="dk1" bg2="lt2" tx2="dk2" accent1="accent1" accent2="accent2" accent3="accent3" accent4="accent4" accent5="accent5" accent6="accent6" hlink="hlink" folHlink="folHlink"/>
+  <p:notesStyle>
+    <a:lvl1pPr marL="0" algn="l" defTabSz="914400" rtl="0" eaLnBrk="1" latinLnBrk="0" hangingPunct="1">
+      <a:defRPr sz="1200" kern="1200">
+        <a:solidFill>
+          <a:schemeClr val="tx1"/>
+        </a:solidFill>
+        <a:latin typeface="+mn-lt"/>
+        <a:ea typeface="+mn-ea"/>
+        <a:cs typeface="+mn-cs"/>
+      </a:defRPr>
+    </a:lvl1pPr>
+    <a:lvl2pPr marL="457200" algn="l" defTabSz="914400" rtl="0" eaLnBrk="1" latinLnBrk="0" hangingPunct="1">
+      <a:defRPr sz="1200" kern="1200">
+        <a:solidFill>
+          <a:schemeClr val="tx1"/>
+        </a:solidFill>
+        <a:latin typeface="+mn-lt"/>
+        <a:ea typeface="+mn-ea"/>
+        <a:cs typeface="+mn-cs"/>
+      </a:defRPr>
+    </a:lvl2pPr>
+    <a:lvl3pPr marL="914400" algn="l" defTabSz="914400" rtl="0" eaLnBrk="1" latinLnBrk="0" hangingPunct="1">
+      <a:defRPr sz="1200" kern="1200">
+        <a:solidFill>
+          <a:schemeClr val="tx1"/>
+        </a:solidFill>
+        <a:latin typeface="+mn-lt"/>
+        <a:ea typeface="+mn-ea"/>
+        <a:cs typeface="+mn-cs"/>
+      </a:defRPr>
+    </a:lvl3pPr>
+    <a:lvl4pPr marL="1371600" algn="l" defTabSz="914400" rtl="0" eaLnBrk="1" latinLnBrk="0" hangingPunct="1">
+      <a:defRPr sz="1200" kern="1200">
+        <a:solidFill>
+          <a:schemeClr val="tx1"/>
+        </a:solidFill>
+        <a:latin typeface="+mn-lt"/>
+        <a:ea typeface="+mn-ea"/>
+        <a:cs typeface="+mn-cs"/>
+      </a:defRPr>
+    </a:lvl4pPr>
+    <a:lvl5pPr marL="1828800" algn="l" defTabSz="914400" rtl="0" eaLnBrk="1" latinLnBrk="0" hangingPunct="1">
+      <a:defRPr sz="1200" kern="1200">
+        <a:solidFill>
+          <a:schemeClr val="tx1"/>
+        </a:solidFill>
+        <a:latin typeface="+mn-lt"/>
+        <a:ea typeface="+mn-ea"/>
+        <a:cs typeface="+mn-cs"/>
+      </a:defRPr>
+    </a:lvl5pPr>
+    <a:lvl6pPr marL="2286000" algn="l" defTabSz="914400" rtl="0" eaLnBrk="1" latinLnBrk="0" hangingPunct="1">
+      <a:defRPr sz="1200" kern="1200">
+        <a:solidFill>
+          <a:schemeClr val="tx1"/>
+        </a:solidFill>
+        <a:latin typeface="+mn-lt"/>
+        <a:ea typeface="+mn-ea"/>
+        <a:cs typeface="+mn-cs"/>
+      </a:defRPr>
+    </a:lvl6pPr>
+    <a:lvl7pPr marL="2743200" algn="l" defTabSz="914400" rtl="0" eaLnBrk="1" latinLnBrk="0" hangingPunct="1">
+      <a:defRPr sz="1200" kern="1200">
+        <a:solidFill>
+          <a:schemeClr val="tx1"/>
+        </a:solidFill>
+        <a:latin typeface="+mn-lt"/>
+        <a:ea typeface="+mn-ea"/>
+        <a:cs typeface="+mn-cs"/>
+      </a:defRPr>
+    </a:lvl7pPr>
+    <a:lvl8pPr marL="3200400" algn="l" defTabSz="914400" rtl="0" eaLnBrk="1" latinLnBrk="0" hangingPunct="1">
+      <a:defRPr sz="1200" kern="1200">
+        <a:solidFill>
+          <a:schemeClr val="tx1"/>
+        </a:solidFill>
+        <a:latin typeface="+mn-lt"/>
+        <a:ea typeface="+mn-ea"/>
+        <a:cs typeface="+mn-cs"/>
+      </a:defRPr>
+    </a:lvl8pPr>
+    <a:lvl9pPr marL="3657600" algn="l" defTabSz="914400" rtl="0" eaLnBrk="1" latinLnBrk="0" hangingPunct="1">
+      <a:defRPr sz="1200" kern="1200">
+        <a:solidFill>
+          <a:schemeClr val="tx1"/>
+        </a:solidFill>
+        <a:latin typeface="+mn-lt"/>
+        <a:ea typeface="+mn-ea"/>
+        <a:cs typeface="+mn-cs"/>
+      </a:defRPr>
+    </a:lvl9pPr>
+  </p:notesStyle>
+</p:notesMaster>
+</file>
+
+<file path=ppt/notesSlides/notesSlide1.xml><?xml version="1.0" encoding="utf-8"?>
+<p:notes xmlns:a="http://schemas.openxmlformats.org/drawingml/2006/main" xmlns:r="http://schemas.openxmlformats.org/officeDocument/2006/relationships" xmlns:p="http://schemas.openxmlformats.org/presentationml/2006/main">
+  <p:cSld>
+    <p:spTree>
+      <p:nvGrpSpPr>
+        <p:cNvPr id="1" name=""/>
+        <p:cNvGrpSpPr/>
+        <p:nvPr/>
+      </p:nvGrpSpPr>
+      <p:grpSpPr>
+        <a:xfrm>
+          <a:off x="0" y="0"/>
+          <a:ext cx="0" cy="0"/>
+          <a:chOff x="0" y="0"/>
+          <a:chExt cx="0" cy="0"/>
+        </a:xfrm>
+      </p:grpSpPr>
+      <p:sp>
+        <p:nvSpPr>
+          <p:cNvPr id="2" name="幻灯片图像占位符 1"/>
+          <p:cNvSpPr>
+            <a:spLocks noGrp="1" noRot="1" noChangeAspect="1"/>
+          </p:cNvSpPr>
+          <p:nvPr>
+            <p:ph type="sldImg"/>
+          </p:nvPr>
+        </p:nvSpPr>
+        <p:spPr/>
+      </p:sp>
+      <p:sp>
+        <p:nvSpPr>
+          <p:cNvPr id="3" name="备注占位符 2"/>
+          <p:cNvSpPr>
+            <a:spLocks noGrp="1"/>
+          </p:cNvSpPr>
+          <p:nvPr>
+            <p:ph type="body" idx="1"/>
+          </p:nvPr>
+        </p:nvSpPr>
+        <p:spPr/>
+        <p:txBody>
+          <a:bodyPr/>
+          <a:lstStyle/>
+          <a:p>
+            <a:pPr marL="0" marR="0" indent="0" algn="l" defTabSz="914400" rtl="0" eaLnBrk="1" fontAlgn="auto" latinLnBrk="0" hangingPunct="1">
+              <a:lnSpc>
+                <a:spcPct val="100000"/>
+              </a:lnSpc>
+              <a:spcBef>
+                <a:spcPts val="0"/>
+              </a:spcBef>
+              <a:spcAft>
+                <a:spcPts val="0"/>
+              </a:spcAft>
+              <a:buClrTx/>
+              <a:buSzTx/>
+              <a:buFontTx/>
+              <a:buNone/>
+              <a:tabLst/>
+              <a:defRPr/>
+            </a:pPr>
+            <a:r>
+              <a:rPr lang="zh-CN" altLang="en-US" dirty="0" smtClean="0"/>
+              <a:t>大家好</a:t>
+            </a:r>
+            <a:r>
+              <a:rPr lang="en-US" altLang="zh-CN" dirty="0" smtClean="0"/>
+              <a:t>, </a:t>
+            </a:r>
+            <a:r>
+              <a:rPr lang="zh-CN" altLang="en-US" dirty="0" smtClean="0"/>
+              <a:t>下面由我给大家带来</a:t>
+            </a:r>
+            <a:r>
+              <a:rPr lang="en-US" altLang="zh-CN" sz="1200" dirty="0" smtClean="0"/>
+              <a:t>Scripted visual novel design language, </a:t>
+            </a:r>
+            <a:r>
+              <a:rPr lang="zh-CN" altLang="en-US" sz="1200" dirty="0" smtClean="0"/>
+              <a:t>我们组的组员是</a:t>
+            </a:r>
+            <a:r>
+              <a:rPr lang="zh-CN" altLang="en-US" dirty="0" smtClean="0"/>
+              <a:t>陆宇暄 顾宇晨 石元峰</a:t>
+            </a:r>
+            <a:r>
+              <a:rPr lang="en-US" altLang="zh-CN" dirty="0" smtClean="0"/>
+              <a:t>, </a:t>
+            </a:r>
+            <a:r>
+              <a:rPr lang="zh-CN" altLang="en-US" dirty="0" smtClean="0"/>
+              <a:t>我们的项目相比而言是一个很偏向应用导向的项目</a:t>
+            </a:r>
+            <a:r>
+              <a:rPr lang="en-US" altLang="zh-CN" dirty="0" smtClean="0"/>
+              <a:t>, </a:t>
+            </a:r>
+            <a:r>
+              <a:rPr lang="zh-CN" altLang="en-US" dirty="0" smtClean="0"/>
+              <a:t>这个</a:t>
+            </a:r>
+            <a:r>
+              <a:rPr lang="zh-CN" altLang="en-US" dirty="0" smtClean="0"/>
+              <a:t>编程语言作用是脚本化地编写一个视频小说</a:t>
+            </a:r>
+            <a:r>
+              <a:rPr lang="en-US" altLang="zh-CN" dirty="0" smtClean="0"/>
+              <a:t>.</a:t>
+            </a:r>
+            <a:endParaRPr lang="zh-CN" altLang="en-US" dirty="0" smtClean="0"/>
+          </a:p>
+        </p:txBody>
+      </p:sp>
+      <p:sp>
+        <p:nvSpPr>
+          <p:cNvPr id="4" name="灯片编号占位符 3"/>
+          <p:cNvSpPr>
+            <a:spLocks noGrp="1"/>
+          </p:cNvSpPr>
+          <p:nvPr>
+            <p:ph type="sldNum" sz="quarter" idx="10"/>
+          </p:nvPr>
+        </p:nvSpPr>
+        <p:spPr/>
+        <p:txBody>
+          <a:bodyPr/>
+          <a:lstStyle/>
+          <a:p>
+            <a:fld id="{B86E8C81-5AD8-4EDA-A7C1-13F902D5892F}" type="slidenum">
+              <a:rPr lang="zh-CN" altLang="en-US" smtClean="0"/>
+              <a:t>1</a:t>
+            </a:fld>
+            <a:endParaRPr lang="zh-CN" altLang="en-US"/>
+          </a:p>
+        </p:txBody>
+      </p:sp>
+    </p:spTree>
+    <p:extLst>
+      <p:ext uri="{BB962C8B-B14F-4D97-AF65-F5344CB8AC3E}">
+        <p14:creationId xmlns:p14="http://schemas.microsoft.com/office/powerpoint/2010/main" val="693151140"/>
+      </p:ext>
+    </p:extLst>
+  </p:cSld>
+  <p:clrMapOvr>
+    <a:masterClrMapping/>
+  </p:clrMapOvr>
+</p:notes>
+</file>
+
+<file path=ppt/notesSlides/notesSlide10.xml><?xml version="1.0" encoding="utf-8"?>
+<p:notes xmlns:a="http://schemas.openxmlformats.org/drawingml/2006/main" xmlns:r="http://schemas.openxmlformats.org/officeDocument/2006/relationships" xmlns:p="http://schemas.openxmlformats.org/presentationml/2006/main">
+  <p:cSld>
+    <p:spTree>
+      <p:nvGrpSpPr>
+        <p:cNvPr id="1" name=""/>
+        <p:cNvGrpSpPr/>
+        <p:nvPr/>
+      </p:nvGrpSpPr>
+      <p:grpSpPr>
+        <a:xfrm>
+          <a:off x="0" y="0"/>
+          <a:ext cx="0" cy="0"/>
+          <a:chOff x="0" y="0"/>
+          <a:chExt cx="0" cy="0"/>
+        </a:xfrm>
+      </p:grpSpPr>
+      <p:sp>
+        <p:nvSpPr>
+          <p:cNvPr id="2" name="幻灯片图像占位符 1"/>
+          <p:cNvSpPr>
+            <a:spLocks noGrp="1" noRot="1" noChangeAspect="1"/>
+          </p:cNvSpPr>
+          <p:nvPr>
+            <p:ph type="sldImg"/>
+          </p:nvPr>
+        </p:nvSpPr>
+        <p:spPr/>
+      </p:sp>
+      <p:sp>
+        <p:nvSpPr>
+          <p:cNvPr id="3" name="备注占位符 2"/>
+          <p:cNvSpPr>
+            <a:spLocks noGrp="1"/>
+          </p:cNvSpPr>
+          <p:nvPr>
+            <p:ph type="body" idx="1"/>
+          </p:nvPr>
+        </p:nvSpPr>
+        <p:spPr/>
+        <p:txBody>
+          <a:bodyPr/>
+          <a:lstStyle/>
+          <a:p>
+            <a:r>
+              <a:rPr lang="zh-CN" altLang="en-US" dirty="0" smtClean="0"/>
+              <a:t>预处理器完成了语法分析词法分析和类型检查</a:t>
+            </a:r>
+            <a:r>
+              <a:rPr lang="en-US" altLang="zh-CN" dirty="0" smtClean="0"/>
+              <a:t>, </a:t>
+            </a:r>
+            <a:r>
+              <a:rPr lang="zh-CN" altLang="en-US" dirty="0" smtClean="0"/>
+              <a:t>读</a:t>
+            </a:r>
+            <a:endParaRPr lang="zh-CN" altLang="en-US" dirty="0"/>
+          </a:p>
+        </p:txBody>
+      </p:sp>
+      <p:sp>
+        <p:nvSpPr>
+          <p:cNvPr id="4" name="灯片编号占位符 3"/>
+          <p:cNvSpPr>
+            <a:spLocks noGrp="1"/>
+          </p:cNvSpPr>
+          <p:nvPr>
+            <p:ph type="sldNum" sz="quarter" idx="10"/>
+          </p:nvPr>
+        </p:nvSpPr>
+        <p:spPr/>
+        <p:txBody>
+          <a:bodyPr/>
+          <a:lstStyle/>
+          <a:p>
+            <a:fld id="{B86E8C81-5AD8-4EDA-A7C1-13F902D5892F}" type="slidenum">
+              <a:rPr lang="zh-CN" altLang="en-US" smtClean="0"/>
+              <a:t>10</a:t>
+            </a:fld>
+            <a:endParaRPr lang="zh-CN" altLang="en-US"/>
+          </a:p>
+        </p:txBody>
+      </p:sp>
+    </p:spTree>
+    <p:extLst>
+      <p:ext uri="{BB962C8B-B14F-4D97-AF65-F5344CB8AC3E}">
+        <p14:creationId xmlns:p14="http://schemas.microsoft.com/office/powerpoint/2010/main" val="3887485913"/>
+      </p:ext>
+    </p:extLst>
+  </p:cSld>
+  <p:clrMapOvr>
+    <a:masterClrMapping/>
+  </p:clrMapOvr>
+</p:notes>
+</file>
+
+<file path=ppt/notesSlides/notesSlide11.xml><?xml version="1.0" encoding="utf-8"?>
+<p:notes xmlns:a="http://schemas.openxmlformats.org/drawingml/2006/main" xmlns:r="http://schemas.openxmlformats.org/officeDocument/2006/relationships" xmlns:p="http://schemas.openxmlformats.org/presentationml/2006/main">
+  <p:cSld>
+    <p:spTree>
+      <p:nvGrpSpPr>
+        <p:cNvPr id="1" name=""/>
+        <p:cNvGrpSpPr/>
+        <p:nvPr/>
+      </p:nvGrpSpPr>
+      <p:grpSpPr>
+        <a:xfrm>
+          <a:off x="0" y="0"/>
+          <a:ext cx="0" cy="0"/>
+          <a:chOff x="0" y="0"/>
+          <a:chExt cx="0" cy="0"/>
+        </a:xfrm>
+      </p:grpSpPr>
+      <p:sp>
+        <p:nvSpPr>
+          <p:cNvPr id="2" name="幻灯片图像占位符 1"/>
+          <p:cNvSpPr>
+            <a:spLocks noGrp="1" noRot="1" noChangeAspect="1"/>
+          </p:cNvSpPr>
+          <p:nvPr>
+            <p:ph type="sldImg"/>
+          </p:nvPr>
+        </p:nvSpPr>
+        <p:spPr/>
+      </p:sp>
+      <p:sp>
+        <p:nvSpPr>
+          <p:cNvPr id="3" name="备注占位符 2"/>
+          <p:cNvSpPr>
+            <a:spLocks noGrp="1"/>
+          </p:cNvSpPr>
+          <p:nvPr>
+            <p:ph type="body" idx="1"/>
+          </p:nvPr>
+        </p:nvSpPr>
+        <p:spPr/>
+        <p:txBody>
+          <a:bodyPr/>
+          <a:lstStyle/>
+          <a:p>
+            <a:r>
+              <a:rPr lang="zh-CN" altLang="en-US" dirty="0" smtClean="0"/>
+              <a:t>我们同样提供了样例编译成为的语法树</a:t>
+            </a:r>
+            <a:r>
+              <a:rPr lang="en-US" altLang="zh-CN" dirty="0" smtClean="0"/>
+              <a:t>.</a:t>
+            </a:r>
+            <a:endParaRPr lang="zh-CN" altLang="en-US" dirty="0"/>
+          </a:p>
+        </p:txBody>
+      </p:sp>
+      <p:sp>
+        <p:nvSpPr>
+          <p:cNvPr id="4" name="灯片编号占位符 3"/>
+          <p:cNvSpPr>
+            <a:spLocks noGrp="1"/>
+          </p:cNvSpPr>
+          <p:nvPr>
+            <p:ph type="sldNum" sz="quarter" idx="10"/>
+          </p:nvPr>
+        </p:nvSpPr>
+        <p:spPr/>
+        <p:txBody>
+          <a:bodyPr/>
+          <a:lstStyle/>
+          <a:p>
+            <a:fld id="{B86E8C81-5AD8-4EDA-A7C1-13F902D5892F}" type="slidenum">
+              <a:rPr lang="zh-CN" altLang="en-US" smtClean="0"/>
+              <a:t>11</a:t>
+            </a:fld>
+            <a:endParaRPr lang="zh-CN" altLang="en-US"/>
+          </a:p>
+        </p:txBody>
+      </p:sp>
+    </p:spTree>
+    <p:extLst>
+      <p:ext uri="{BB962C8B-B14F-4D97-AF65-F5344CB8AC3E}">
+        <p14:creationId xmlns:p14="http://schemas.microsoft.com/office/powerpoint/2010/main" val="3085019785"/>
+      </p:ext>
+    </p:extLst>
+  </p:cSld>
+  <p:clrMapOvr>
+    <a:masterClrMapping/>
+  </p:clrMapOvr>
+</p:notes>
+</file>
+
+<file path=ppt/notesSlides/notesSlide12.xml><?xml version="1.0" encoding="utf-8"?>
+<p:notes xmlns:a="http://schemas.openxmlformats.org/drawingml/2006/main" xmlns:r="http://schemas.openxmlformats.org/officeDocument/2006/relationships" xmlns:p="http://schemas.openxmlformats.org/presentationml/2006/main">
+  <p:cSld>
+    <p:spTree>
+      <p:nvGrpSpPr>
+        <p:cNvPr id="1" name=""/>
+        <p:cNvGrpSpPr/>
+        <p:nvPr/>
+      </p:nvGrpSpPr>
+      <p:grpSpPr>
+        <a:xfrm>
+          <a:off x="0" y="0"/>
+          <a:ext cx="0" cy="0"/>
+          <a:chOff x="0" y="0"/>
+          <a:chExt cx="0" cy="0"/>
+        </a:xfrm>
+      </p:grpSpPr>
+      <p:sp>
+        <p:nvSpPr>
+          <p:cNvPr id="2" name="幻灯片图像占位符 1"/>
+          <p:cNvSpPr>
+            <a:spLocks noGrp="1" noRot="1" noChangeAspect="1"/>
+          </p:cNvSpPr>
+          <p:nvPr>
+            <p:ph type="sldImg"/>
+          </p:nvPr>
+        </p:nvSpPr>
+        <p:spPr/>
+      </p:sp>
+      <p:sp>
+        <p:nvSpPr>
+          <p:cNvPr id="3" name="备注占位符 2"/>
+          <p:cNvSpPr>
+            <a:spLocks noGrp="1"/>
+          </p:cNvSpPr>
+          <p:nvPr>
+            <p:ph type="body" idx="1"/>
+          </p:nvPr>
+        </p:nvSpPr>
+        <p:spPr/>
+        <p:txBody>
+          <a:bodyPr/>
+          <a:lstStyle/>
+          <a:p>
+            <a:r>
+              <a:rPr lang="zh-CN" altLang="en-US" dirty="0" smtClean="0"/>
+              <a:t>中间代码生成器本质上完成了</a:t>
+            </a:r>
+            <a:r>
+              <a:rPr lang="en-US" altLang="zh-CN" dirty="0" smtClean="0"/>
+              <a:t>evaluation</a:t>
+            </a:r>
+            <a:r>
+              <a:rPr lang="zh-CN" altLang="en-US" dirty="0" smtClean="0"/>
+              <a:t>的过程</a:t>
+            </a:r>
+            <a:r>
+              <a:rPr lang="en-US" altLang="zh-CN" dirty="0" smtClean="0"/>
+              <a:t>, </a:t>
+            </a:r>
+            <a:r>
+              <a:rPr lang="zh-CN" altLang="en-US" dirty="0" smtClean="0"/>
+              <a:t>不过</a:t>
+            </a:r>
+            <a:r>
+              <a:rPr lang="en-US" altLang="zh-CN" dirty="0" err="1" smtClean="0"/>
+              <a:t>eval</a:t>
+            </a:r>
+            <a:r>
+              <a:rPr lang="zh-CN" altLang="en-US" dirty="0" smtClean="0"/>
+              <a:t>的结果变成了中间代码</a:t>
+            </a:r>
+            <a:r>
+              <a:rPr lang="en-US" altLang="zh-CN" dirty="0" smtClean="0"/>
+              <a:t>, </a:t>
+            </a:r>
+            <a:r>
+              <a:rPr lang="zh-CN" altLang="en-US" dirty="0" smtClean="0"/>
+              <a:t>这个求值的结果是形如</a:t>
+            </a:r>
+            <a:r>
+              <a:rPr lang="en-US" altLang="zh-CN" dirty="0" smtClean="0"/>
+              <a:t>pair&lt;</a:t>
+            </a:r>
+            <a:r>
+              <a:rPr lang="en-US" altLang="zh-CN" dirty="0" err="1" smtClean="0"/>
+              <a:t>res,ret</a:t>
+            </a:r>
+            <a:r>
+              <a:rPr lang="en-US" altLang="zh-CN" dirty="0" smtClean="0"/>
+              <a:t>&gt;</a:t>
+            </a:r>
+            <a:r>
+              <a:rPr lang="zh-CN" altLang="en-US" dirty="0" smtClean="0"/>
+              <a:t>其中</a:t>
+            </a:r>
+            <a:r>
+              <a:rPr lang="en-US" altLang="zh-CN" dirty="0" smtClean="0"/>
+              <a:t>res</a:t>
+            </a:r>
+            <a:r>
+              <a:rPr lang="zh-CN" altLang="en-US" dirty="0" smtClean="0"/>
+              <a:t>是一个</a:t>
+            </a:r>
+            <a:r>
+              <a:rPr lang="en-US" altLang="zh-CN" dirty="0" smtClean="0"/>
+              <a:t>string list</a:t>
+            </a:r>
+            <a:r>
+              <a:rPr lang="zh-CN" altLang="en-US" dirty="0" smtClean="0"/>
+              <a:t>而</a:t>
+            </a:r>
+            <a:r>
+              <a:rPr lang="en-US" altLang="zh-CN" dirty="0" smtClean="0"/>
+              <a:t>ret</a:t>
+            </a:r>
+            <a:r>
+              <a:rPr lang="zh-CN" altLang="en-US" dirty="0" smtClean="0"/>
+              <a:t>是一个</a:t>
+            </a:r>
+            <a:r>
+              <a:rPr lang="en-US" altLang="zh-CN" dirty="0" err="1" smtClean="0"/>
+              <a:t>int</a:t>
+            </a:r>
+            <a:r>
+              <a:rPr lang="en-US" altLang="zh-CN" dirty="0" smtClean="0"/>
+              <a:t> list. res</a:t>
+            </a:r>
+            <a:r>
+              <a:rPr lang="zh-CN" altLang="en-US" dirty="0" smtClean="0"/>
+              <a:t>用来存储一个语法树</a:t>
+            </a:r>
+            <a:r>
+              <a:rPr lang="en-US" altLang="zh-CN" dirty="0" smtClean="0"/>
+              <a:t>evaluation</a:t>
+            </a:r>
+            <a:r>
+              <a:rPr lang="zh-CN" altLang="en-US" dirty="0" smtClean="0"/>
+              <a:t>生成的中间代码段</a:t>
+            </a:r>
+            <a:r>
+              <a:rPr lang="en-US" altLang="zh-CN" dirty="0" smtClean="0"/>
+              <a:t>, </a:t>
+            </a:r>
+            <a:r>
+              <a:rPr lang="zh-CN" altLang="en-US" dirty="0" smtClean="0"/>
+              <a:t>而</a:t>
+            </a:r>
+            <a:r>
+              <a:rPr lang="en-US" altLang="zh-CN" dirty="0" smtClean="0"/>
+              <a:t>ret</a:t>
+            </a:r>
+            <a:r>
+              <a:rPr lang="zh-CN" altLang="en-US" dirty="0" smtClean="0"/>
+              <a:t>用来存储用于拼接中间代码段的信息</a:t>
+            </a:r>
+            <a:r>
+              <a:rPr lang="en-US" altLang="zh-CN" dirty="0" smtClean="0"/>
+              <a:t>. </a:t>
+            </a:r>
+            <a:r>
+              <a:rPr lang="zh-CN" altLang="en-US" dirty="0" smtClean="0"/>
+              <a:t>在报告中略去了所有</a:t>
+            </a:r>
+            <a:r>
+              <a:rPr lang="en-US" altLang="zh-CN" dirty="0" smtClean="0"/>
+              <a:t>evaluation</a:t>
+            </a:r>
+            <a:r>
+              <a:rPr lang="zh-CN" altLang="en-US" dirty="0" smtClean="0"/>
+              <a:t>的过程和细节</a:t>
+            </a:r>
+            <a:r>
+              <a:rPr lang="en-US" altLang="zh-CN" dirty="0" smtClean="0"/>
+              <a:t>, </a:t>
+            </a:r>
+            <a:r>
+              <a:rPr lang="zh-CN" altLang="en-US" dirty="0" smtClean="0"/>
+              <a:t>具体可以参见文档</a:t>
+            </a:r>
+            <a:r>
+              <a:rPr lang="en-US" altLang="zh-CN" dirty="0" smtClean="0"/>
+              <a:t>.</a:t>
+            </a:r>
+            <a:endParaRPr lang="zh-CN" altLang="en-US" dirty="0"/>
+          </a:p>
+        </p:txBody>
+      </p:sp>
+      <p:sp>
+        <p:nvSpPr>
+          <p:cNvPr id="4" name="灯片编号占位符 3"/>
+          <p:cNvSpPr>
+            <a:spLocks noGrp="1"/>
+          </p:cNvSpPr>
+          <p:nvPr>
+            <p:ph type="sldNum" sz="quarter" idx="10"/>
+          </p:nvPr>
+        </p:nvSpPr>
+        <p:spPr/>
+        <p:txBody>
+          <a:bodyPr/>
+          <a:lstStyle/>
+          <a:p>
+            <a:fld id="{B86E8C81-5AD8-4EDA-A7C1-13F902D5892F}" type="slidenum">
+              <a:rPr lang="zh-CN" altLang="en-US" smtClean="0"/>
+              <a:t>12</a:t>
+            </a:fld>
+            <a:endParaRPr lang="zh-CN" altLang="en-US"/>
+          </a:p>
+        </p:txBody>
+      </p:sp>
+    </p:spTree>
+    <p:extLst>
+      <p:ext uri="{BB962C8B-B14F-4D97-AF65-F5344CB8AC3E}">
+        <p14:creationId xmlns:p14="http://schemas.microsoft.com/office/powerpoint/2010/main" val="283029613"/>
+      </p:ext>
+    </p:extLst>
+  </p:cSld>
+  <p:clrMapOvr>
+    <a:masterClrMapping/>
+  </p:clrMapOvr>
+</p:notes>
+</file>
+
+<file path=ppt/notesSlides/notesSlide13.xml><?xml version="1.0" encoding="utf-8"?>
+<p:notes xmlns:a="http://schemas.openxmlformats.org/drawingml/2006/main" xmlns:r="http://schemas.openxmlformats.org/officeDocument/2006/relationships" xmlns:p="http://schemas.openxmlformats.org/presentationml/2006/main">
+  <p:cSld>
+    <p:spTree>
+      <p:nvGrpSpPr>
+        <p:cNvPr id="1" name=""/>
+        <p:cNvGrpSpPr/>
+        <p:nvPr/>
+      </p:nvGrpSpPr>
+      <p:grpSpPr>
+        <a:xfrm>
+          <a:off x="0" y="0"/>
+          <a:ext cx="0" cy="0"/>
+          <a:chOff x="0" y="0"/>
+          <a:chExt cx="0" cy="0"/>
+        </a:xfrm>
+      </p:grpSpPr>
+      <p:sp>
+        <p:nvSpPr>
+          <p:cNvPr id="2" name="幻灯片图像占位符 1"/>
+          <p:cNvSpPr>
+            <a:spLocks noGrp="1" noRot="1" noChangeAspect="1"/>
+          </p:cNvSpPr>
+          <p:nvPr>
+            <p:ph type="sldImg"/>
+          </p:nvPr>
+        </p:nvSpPr>
+        <p:spPr/>
+      </p:sp>
+      <p:sp>
+        <p:nvSpPr>
+          <p:cNvPr id="3" name="备注占位符 2"/>
+          <p:cNvSpPr>
+            <a:spLocks noGrp="1"/>
+          </p:cNvSpPr>
+          <p:nvPr>
+            <p:ph type="body" idx="1"/>
+          </p:nvPr>
+        </p:nvSpPr>
+        <p:spPr/>
+        <p:txBody>
+          <a:bodyPr/>
+          <a:lstStyle/>
+          <a:p>
+            <a:r>
+              <a:rPr lang="en-US" altLang="zh-CN" dirty="0" smtClean="0"/>
+              <a:t>I</a:t>
+            </a:r>
+            <a:r>
+              <a:rPr lang="en-GB" altLang="zh-CN" dirty="0" smtClean="0"/>
+              <a:t>ntermediate_code.txt</a:t>
+            </a:r>
+            <a:r>
+              <a:rPr lang="zh-CN" altLang="en-US" dirty="0" smtClean="0"/>
+              <a:t>是样例生成的中间代码</a:t>
+            </a:r>
+            <a:endParaRPr lang="zh-CN" altLang="en-US" dirty="0"/>
+          </a:p>
+        </p:txBody>
+      </p:sp>
+      <p:sp>
+        <p:nvSpPr>
+          <p:cNvPr id="4" name="灯片编号占位符 3"/>
+          <p:cNvSpPr>
+            <a:spLocks noGrp="1"/>
+          </p:cNvSpPr>
+          <p:nvPr>
+            <p:ph type="sldNum" sz="quarter" idx="10"/>
+          </p:nvPr>
+        </p:nvSpPr>
+        <p:spPr/>
+        <p:txBody>
+          <a:bodyPr/>
+          <a:lstStyle/>
+          <a:p>
+            <a:fld id="{B86E8C81-5AD8-4EDA-A7C1-13F902D5892F}" type="slidenum">
+              <a:rPr lang="zh-CN" altLang="en-US" smtClean="0"/>
+              <a:t>13</a:t>
+            </a:fld>
+            <a:endParaRPr lang="zh-CN" altLang="en-US"/>
+          </a:p>
+        </p:txBody>
+      </p:sp>
+    </p:spTree>
+    <p:extLst>
+      <p:ext uri="{BB962C8B-B14F-4D97-AF65-F5344CB8AC3E}">
+        <p14:creationId xmlns:p14="http://schemas.microsoft.com/office/powerpoint/2010/main" val="66514960"/>
+      </p:ext>
+    </p:extLst>
+  </p:cSld>
+  <p:clrMapOvr>
+    <a:masterClrMapping/>
+  </p:clrMapOvr>
+</p:notes>
+</file>
+
+<file path=ppt/notesSlides/notesSlide14.xml><?xml version="1.0" encoding="utf-8"?>
+<p:notes xmlns:a="http://schemas.openxmlformats.org/drawingml/2006/main" xmlns:r="http://schemas.openxmlformats.org/officeDocument/2006/relationships" xmlns:p="http://schemas.openxmlformats.org/presentationml/2006/main">
+  <p:cSld>
+    <p:spTree>
+      <p:nvGrpSpPr>
+        <p:cNvPr id="1" name=""/>
+        <p:cNvGrpSpPr/>
+        <p:nvPr/>
+      </p:nvGrpSpPr>
+      <p:grpSpPr>
+        <a:xfrm>
+          <a:off x="0" y="0"/>
+          <a:ext cx="0" cy="0"/>
+          <a:chOff x="0" y="0"/>
+          <a:chExt cx="0" cy="0"/>
+        </a:xfrm>
+      </p:grpSpPr>
+      <p:sp>
+        <p:nvSpPr>
+          <p:cNvPr id="2" name="幻灯片图像占位符 1"/>
+          <p:cNvSpPr>
+            <a:spLocks noGrp="1" noRot="1" noChangeAspect="1"/>
+          </p:cNvSpPr>
+          <p:nvPr>
+            <p:ph type="sldImg"/>
+          </p:nvPr>
+        </p:nvSpPr>
+        <p:spPr/>
+      </p:sp>
+      <p:sp>
+        <p:nvSpPr>
+          <p:cNvPr id="3" name="备注占位符 2"/>
+          <p:cNvSpPr>
+            <a:spLocks noGrp="1"/>
+          </p:cNvSpPr>
+          <p:nvPr>
+            <p:ph type="body" idx="1"/>
+          </p:nvPr>
+        </p:nvSpPr>
+        <p:spPr/>
+        <p:txBody>
+          <a:bodyPr/>
+          <a:lstStyle/>
+          <a:p>
+            <a:r>
+              <a:rPr lang="zh-CN" altLang="en-US" dirty="0" smtClean="0"/>
+              <a:t>播放器 读</a:t>
+            </a:r>
+            <a:endParaRPr lang="zh-CN" altLang="en-US" dirty="0"/>
+          </a:p>
+        </p:txBody>
+      </p:sp>
+      <p:sp>
+        <p:nvSpPr>
+          <p:cNvPr id="4" name="灯片编号占位符 3"/>
+          <p:cNvSpPr>
+            <a:spLocks noGrp="1"/>
+          </p:cNvSpPr>
+          <p:nvPr>
+            <p:ph type="sldNum" sz="quarter" idx="10"/>
+          </p:nvPr>
+        </p:nvSpPr>
+        <p:spPr/>
+        <p:txBody>
+          <a:bodyPr/>
+          <a:lstStyle/>
+          <a:p>
+            <a:fld id="{B86E8C81-5AD8-4EDA-A7C1-13F902D5892F}" type="slidenum">
+              <a:rPr lang="zh-CN" altLang="en-US" smtClean="0"/>
+              <a:t>14</a:t>
+            </a:fld>
+            <a:endParaRPr lang="zh-CN" altLang="en-US"/>
+          </a:p>
+        </p:txBody>
+      </p:sp>
+    </p:spTree>
+    <p:extLst>
+      <p:ext uri="{BB962C8B-B14F-4D97-AF65-F5344CB8AC3E}">
+        <p14:creationId xmlns:p14="http://schemas.microsoft.com/office/powerpoint/2010/main" val="3967620220"/>
+      </p:ext>
+    </p:extLst>
+  </p:cSld>
+  <p:clrMapOvr>
+    <a:masterClrMapping/>
+  </p:clrMapOvr>
+</p:notes>
+</file>
+
+<file path=ppt/notesSlides/notesSlide15.xml><?xml version="1.0" encoding="utf-8"?>
+<p:notes xmlns:a="http://schemas.openxmlformats.org/drawingml/2006/main" xmlns:r="http://schemas.openxmlformats.org/officeDocument/2006/relationships" xmlns:p="http://schemas.openxmlformats.org/presentationml/2006/main">
+  <p:cSld>
+    <p:spTree>
+      <p:nvGrpSpPr>
+        <p:cNvPr id="1" name=""/>
+        <p:cNvGrpSpPr/>
+        <p:nvPr/>
+      </p:nvGrpSpPr>
+      <p:grpSpPr>
+        <a:xfrm>
+          <a:off x="0" y="0"/>
+          <a:ext cx="0" cy="0"/>
+          <a:chOff x="0" y="0"/>
+          <a:chExt cx="0" cy="0"/>
+        </a:xfrm>
+      </p:grpSpPr>
+      <p:sp>
+        <p:nvSpPr>
+          <p:cNvPr id="2" name="幻灯片图像占位符 1"/>
+          <p:cNvSpPr>
+            <a:spLocks noGrp="1" noRot="1" noChangeAspect="1"/>
+          </p:cNvSpPr>
+          <p:nvPr>
+            <p:ph type="sldImg"/>
+          </p:nvPr>
+        </p:nvSpPr>
+        <p:spPr/>
+      </p:sp>
+      <p:sp>
+        <p:nvSpPr>
+          <p:cNvPr id="3" name="备注占位符 2"/>
+          <p:cNvSpPr>
+            <a:spLocks noGrp="1"/>
+          </p:cNvSpPr>
+          <p:nvPr>
+            <p:ph type="body" idx="1"/>
+          </p:nvPr>
+        </p:nvSpPr>
+        <p:spPr/>
+        <p:txBody>
+          <a:bodyPr/>
+          <a:lstStyle/>
+          <a:p>
+            <a:r>
+              <a:rPr lang="zh-CN" altLang="en-US" dirty="0" smtClean="0"/>
+              <a:t>因为这学期不在学校</a:t>
+            </a:r>
+            <a:r>
+              <a:rPr lang="en-US" altLang="zh-CN" dirty="0" smtClean="0"/>
+              <a:t>, </a:t>
+            </a:r>
+            <a:r>
+              <a:rPr lang="zh-CN" altLang="en-US" dirty="0" smtClean="0"/>
+              <a:t>图片和音乐素材都是网上找的所以就将就看一下</a:t>
+            </a:r>
+            <a:r>
+              <a:rPr lang="en-US" altLang="zh-CN" dirty="0" smtClean="0"/>
+              <a:t>, </a:t>
+            </a:r>
+            <a:r>
+              <a:rPr lang="zh-CN" altLang="en-US" smtClean="0"/>
+              <a:t>给对话配音因为太羞耻所以也没有做</a:t>
+            </a:r>
+            <a:endParaRPr lang="zh-CN" altLang="en-US" dirty="0"/>
+          </a:p>
+        </p:txBody>
+      </p:sp>
+      <p:sp>
+        <p:nvSpPr>
+          <p:cNvPr id="4" name="灯片编号占位符 3"/>
+          <p:cNvSpPr>
+            <a:spLocks noGrp="1"/>
+          </p:cNvSpPr>
+          <p:nvPr>
+            <p:ph type="sldNum" sz="quarter" idx="10"/>
+          </p:nvPr>
+        </p:nvSpPr>
+        <p:spPr/>
+        <p:txBody>
+          <a:bodyPr/>
+          <a:lstStyle/>
+          <a:p>
+            <a:fld id="{B86E8C81-5AD8-4EDA-A7C1-13F902D5892F}" type="slidenum">
+              <a:rPr lang="zh-CN" altLang="en-US" smtClean="0"/>
+              <a:t>15</a:t>
+            </a:fld>
+            <a:endParaRPr lang="zh-CN" altLang="en-US"/>
+          </a:p>
+        </p:txBody>
+      </p:sp>
+    </p:spTree>
+    <p:extLst>
+      <p:ext uri="{BB962C8B-B14F-4D97-AF65-F5344CB8AC3E}">
+        <p14:creationId xmlns:p14="http://schemas.microsoft.com/office/powerpoint/2010/main" val="398898534"/>
+      </p:ext>
+    </p:extLst>
+  </p:cSld>
+  <p:clrMapOvr>
+    <a:masterClrMapping/>
+  </p:clrMapOvr>
+</p:notes>
+</file>
+
+<file path=ppt/notesSlides/notesSlide2.xml><?xml version="1.0" encoding="utf-8"?>
+<p:notes xmlns:a="http://schemas.openxmlformats.org/drawingml/2006/main" xmlns:r="http://schemas.openxmlformats.org/officeDocument/2006/relationships" xmlns:p="http://schemas.openxmlformats.org/presentationml/2006/main">
+  <p:cSld>
+    <p:spTree>
+      <p:nvGrpSpPr>
+        <p:cNvPr id="1" name=""/>
+        <p:cNvGrpSpPr/>
+        <p:nvPr/>
+      </p:nvGrpSpPr>
+      <p:grpSpPr>
+        <a:xfrm>
+          <a:off x="0" y="0"/>
+          <a:ext cx="0" cy="0"/>
+          <a:chOff x="0" y="0"/>
+          <a:chExt cx="0" cy="0"/>
+        </a:xfrm>
+      </p:grpSpPr>
+      <p:sp>
+        <p:nvSpPr>
+          <p:cNvPr id="2" name="幻灯片图像占位符 1"/>
+          <p:cNvSpPr>
+            <a:spLocks noGrp="1" noRot="1" noChangeAspect="1"/>
+          </p:cNvSpPr>
+          <p:nvPr>
+            <p:ph type="sldImg"/>
+          </p:nvPr>
+        </p:nvSpPr>
+        <p:spPr/>
+      </p:sp>
+      <p:sp>
+        <p:nvSpPr>
+          <p:cNvPr id="3" name="备注占位符 2"/>
+          <p:cNvSpPr>
+            <a:spLocks noGrp="1"/>
+          </p:cNvSpPr>
+          <p:nvPr>
+            <p:ph type="body" idx="1"/>
+          </p:nvPr>
+        </p:nvSpPr>
+        <p:spPr/>
+        <p:txBody>
+          <a:bodyPr/>
+          <a:lstStyle/>
+          <a:p>
+            <a:r>
+              <a:rPr lang="zh-CN" altLang="en-US" dirty="0" smtClean="0"/>
+              <a:t>这是我们这个语言的设计框架</a:t>
+            </a:r>
+            <a:r>
+              <a:rPr lang="en-US" altLang="zh-CN" dirty="0" smtClean="0"/>
+              <a:t>, </a:t>
+            </a:r>
+            <a:r>
+              <a:rPr lang="zh-CN" altLang="en-US" dirty="0" smtClean="0"/>
+              <a:t>源代码分为代码头和表达式两个部分</a:t>
+            </a:r>
+            <a:r>
+              <a:rPr lang="en-US" altLang="zh-CN" dirty="0" smtClean="0"/>
+              <a:t>, </a:t>
+            </a:r>
+            <a:r>
+              <a:rPr lang="zh-CN" altLang="en-US" dirty="0" smtClean="0"/>
+              <a:t>表达式被输入给用于预处理的分析器</a:t>
+            </a:r>
+            <a:r>
+              <a:rPr lang="en-US" altLang="zh-CN" dirty="0" smtClean="0"/>
+              <a:t>(</a:t>
+            </a:r>
+            <a:r>
+              <a:rPr lang="zh-CN" altLang="en-US" dirty="0" smtClean="0"/>
+              <a:t>它完成了词法分析语法分析和类型检查的工作</a:t>
+            </a:r>
+            <a:r>
+              <a:rPr lang="en-US" altLang="zh-CN" dirty="0" smtClean="0"/>
+              <a:t>), </a:t>
+            </a:r>
+            <a:r>
+              <a:rPr lang="zh-CN" altLang="en-US" dirty="0" smtClean="0"/>
+              <a:t>它输出变量的初始化信息以及程序语法树给中间代码生成器</a:t>
+            </a:r>
+            <a:r>
+              <a:rPr lang="en-US" altLang="zh-CN" dirty="0" smtClean="0"/>
+              <a:t>, </a:t>
+            </a:r>
+            <a:r>
+              <a:rPr lang="zh-CN" altLang="en-US" dirty="0" smtClean="0"/>
+              <a:t>中间代码生成器综合代码头</a:t>
+            </a:r>
+            <a:r>
+              <a:rPr lang="en-US" altLang="zh-CN" dirty="0" smtClean="0"/>
+              <a:t>, </a:t>
+            </a:r>
+            <a:r>
+              <a:rPr lang="zh-CN" altLang="en-US" dirty="0" smtClean="0"/>
+              <a:t>初始化信息和语法树给出类似汇编的中间代码</a:t>
+            </a:r>
+            <a:r>
+              <a:rPr lang="en-US" altLang="zh-CN" dirty="0" smtClean="0"/>
+              <a:t>. </a:t>
+            </a:r>
+            <a:r>
+              <a:rPr lang="zh-CN" altLang="en-US" dirty="0" smtClean="0"/>
+              <a:t>播放器将解释执行中间代码来提供可视化</a:t>
+            </a:r>
+            <a:r>
+              <a:rPr lang="en-US" altLang="zh-CN" dirty="0" smtClean="0"/>
+              <a:t>. </a:t>
+            </a:r>
+            <a:r>
+              <a:rPr lang="zh-CN" altLang="en-US" dirty="0" smtClean="0"/>
+              <a:t>同时提供了存档和读档的功能</a:t>
+            </a:r>
+            <a:r>
+              <a:rPr lang="en-US" altLang="zh-CN" dirty="0" smtClean="0"/>
+              <a:t>.</a:t>
+            </a:r>
+            <a:endParaRPr lang="zh-CN" altLang="en-US" dirty="0"/>
+          </a:p>
+        </p:txBody>
+      </p:sp>
+      <p:sp>
+        <p:nvSpPr>
+          <p:cNvPr id="4" name="灯片编号占位符 3"/>
+          <p:cNvSpPr>
+            <a:spLocks noGrp="1"/>
+          </p:cNvSpPr>
+          <p:nvPr>
+            <p:ph type="sldNum" sz="quarter" idx="10"/>
+          </p:nvPr>
+        </p:nvSpPr>
+        <p:spPr/>
+        <p:txBody>
+          <a:bodyPr/>
+          <a:lstStyle/>
+          <a:p>
+            <a:fld id="{B86E8C81-5AD8-4EDA-A7C1-13F902D5892F}" type="slidenum">
+              <a:rPr lang="zh-CN" altLang="en-US" smtClean="0"/>
+              <a:t>2</a:t>
+            </a:fld>
+            <a:endParaRPr lang="zh-CN" altLang="en-US"/>
+          </a:p>
+        </p:txBody>
+      </p:sp>
+    </p:spTree>
+    <p:extLst>
+      <p:ext uri="{BB962C8B-B14F-4D97-AF65-F5344CB8AC3E}">
+        <p14:creationId xmlns:p14="http://schemas.microsoft.com/office/powerpoint/2010/main" val="4239565518"/>
+      </p:ext>
+    </p:extLst>
+  </p:cSld>
+  <p:clrMapOvr>
+    <a:masterClrMapping/>
+  </p:clrMapOvr>
+</p:notes>
+</file>
+
+<file path=ppt/notesSlides/notesSlide3.xml><?xml version="1.0" encoding="utf-8"?>
+<p:notes xmlns:a="http://schemas.openxmlformats.org/drawingml/2006/main" xmlns:r="http://schemas.openxmlformats.org/officeDocument/2006/relationships" xmlns:p="http://schemas.openxmlformats.org/presentationml/2006/main">
+  <p:cSld>
+    <p:spTree>
+      <p:nvGrpSpPr>
+        <p:cNvPr id="1" name=""/>
+        <p:cNvGrpSpPr/>
+        <p:nvPr/>
+      </p:nvGrpSpPr>
+      <p:grpSpPr>
+        <a:xfrm>
+          <a:off x="0" y="0"/>
+          <a:ext cx="0" cy="0"/>
+          <a:chOff x="0" y="0"/>
+          <a:chExt cx="0" cy="0"/>
+        </a:xfrm>
+      </p:grpSpPr>
+      <p:sp>
+        <p:nvSpPr>
+          <p:cNvPr id="2" name="幻灯片图像占位符 1"/>
+          <p:cNvSpPr>
+            <a:spLocks noGrp="1" noRot="1" noChangeAspect="1"/>
+          </p:cNvSpPr>
+          <p:nvPr>
+            <p:ph type="sldImg"/>
+          </p:nvPr>
+        </p:nvSpPr>
+        <p:spPr/>
+      </p:sp>
+      <p:sp>
+        <p:nvSpPr>
+          <p:cNvPr id="3" name="备注占位符 2"/>
+          <p:cNvSpPr>
+            <a:spLocks noGrp="1"/>
+          </p:cNvSpPr>
+          <p:nvPr>
+            <p:ph type="body" idx="1"/>
+          </p:nvPr>
+        </p:nvSpPr>
+        <p:spPr/>
+        <p:txBody>
+          <a:bodyPr/>
+          <a:lstStyle/>
+          <a:p>
+            <a:r>
+              <a:rPr lang="zh-CN" altLang="en-US" dirty="0" smtClean="0"/>
+              <a:t>这个语言的</a:t>
+            </a:r>
+            <a:r>
+              <a:rPr lang="en-US" altLang="zh-CN" dirty="0" smtClean="0"/>
+              <a:t>…(</a:t>
+            </a:r>
+            <a:r>
+              <a:rPr lang="zh-CN" altLang="en-US" dirty="0" smtClean="0"/>
+              <a:t>读</a:t>
+            </a:r>
+            <a:endParaRPr lang="zh-CN" altLang="en-US" dirty="0"/>
+          </a:p>
+        </p:txBody>
+      </p:sp>
+      <p:sp>
+        <p:nvSpPr>
+          <p:cNvPr id="4" name="灯片编号占位符 3"/>
+          <p:cNvSpPr>
+            <a:spLocks noGrp="1"/>
+          </p:cNvSpPr>
+          <p:nvPr>
+            <p:ph type="sldNum" sz="quarter" idx="10"/>
+          </p:nvPr>
+        </p:nvSpPr>
+        <p:spPr/>
+        <p:txBody>
+          <a:bodyPr/>
+          <a:lstStyle/>
+          <a:p>
+            <a:fld id="{B86E8C81-5AD8-4EDA-A7C1-13F902D5892F}" type="slidenum">
+              <a:rPr lang="zh-CN" altLang="en-US" smtClean="0"/>
+              <a:t>3</a:t>
+            </a:fld>
+            <a:endParaRPr lang="zh-CN" altLang="en-US"/>
+          </a:p>
+        </p:txBody>
+      </p:sp>
+    </p:spTree>
+    <p:extLst>
+      <p:ext uri="{BB962C8B-B14F-4D97-AF65-F5344CB8AC3E}">
+        <p14:creationId xmlns:p14="http://schemas.microsoft.com/office/powerpoint/2010/main" val="1087816910"/>
+      </p:ext>
+    </p:extLst>
+  </p:cSld>
+  <p:clrMapOvr>
+    <a:masterClrMapping/>
+  </p:clrMapOvr>
+</p:notes>
+</file>
+
+<file path=ppt/notesSlides/notesSlide4.xml><?xml version="1.0" encoding="utf-8"?>
+<p:notes xmlns:a="http://schemas.openxmlformats.org/drawingml/2006/main" xmlns:r="http://schemas.openxmlformats.org/officeDocument/2006/relationships" xmlns:p="http://schemas.openxmlformats.org/presentationml/2006/main">
+  <p:cSld>
+    <p:spTree>
+      <p:nvGrpSpPr>
+        <p:cNvPr id="1" name=""/>
+        <p:cNvGrpSpPr/>
+        <p:nvPr/>
+      </p:nvGrpSpPr>
+      <p:grpSpPr>
+        <a:xfrm>
+          <a:off x="0" y="0"/>
+          <a:ext cx="0" cy="0"/>
+          <a:chOff x="0" y="0"/>
+          <a:chExt cx="0" cy="0"/>
+        </a:xfrm>
+      </p:grpSpPr>
+      <p:sp>
+        <p:nvSpPr>
+          <p:cNvPr id="2" name="幻灯片图像占位符 1"/>
+          <p:cNvSpPr>
+            <a:spLocks noGrp="1" noRot="1" noChangeAspect="1"/>
+          </p:cNvSpPr>
+          <p:nvPr>
+            <p:ph type="sldImg"/>
+          </p:nvPr>
+        </p:nvSpPr>
+        <p:spPr/>
+      </p:sp>
+      <p:sp>
+        <p:nvSpPr>
+          <p:cNvPr id="3" name="备注占位符 2"/>
+          <p:cNvSpPr>
+            <a:spLocks noGrp="1"/>
+          </p:cNvSpPr>
+          <p:nvPr>
+            <p:ph type="body" idx="1"/>
+          </p:nvPr>
+        </p:nvSpPr>
+        <p:spPr/>
+        <p:txBody>
+          <a:bodyPr/>
+          <a:lstStyle/>
+          <a:p>
+            <a:r>
+              <a:rPr lang="zh-CN" altLang="en-US" dirty="0" smtClean="0"/>
+              <a:t>这是一个代码头的样例</a:t>
+            </a:r>
+            <a:r>
+              <a:rPr lang="en-US" altLang="zh-CN" dirty="0" smtClean="0"/>
+              <a:t>, </a:t>
+            </a:r>
+            <a:r>
+              <a:rPr lang="zh-CN" altLang="en-US" dirty="0" smtClean="0"/>
+              <a:t>定义了这个视频小说的基本参数</a:t>
+            </a:r>
+            <a:r>
+              <a:rPr lang="en-US" altLang="zh-CN" dirty="0" smtClean="0"/>
+              <a:t>, </a:t>
+            </a:r>
+            <a:r>
+              <a:rPr lang="zh-CN" altLang="en-US" dirty="0" smtClean="0"/>
+              <a:t>这个代码头的参数同时是我们给出的默认参数</a:t>
+            </a:r>
+            <a:r>
+              <a:rPr lang="en-US" altLang="zh-CN" dirty="0" smtClean="0"/>
+              <a:t>, </a:t>
+            </a:r>
+            <a:r>
+              <a:rPr lang="zh-CN" altLang="en-US" dirty="0" smtClean="0"/>
+              <a:t>也就是说可以省略掉这些参数如果不想改变他们</a:t>
+            </a:r>
+            <a:r>
+              <a:rPr lang="en-US" altLang="zh-CN" dirty="0" smtClean="0"/>
+              <a:t>.</a:t>
+            </a:r>
+          </a:p>
+          <a:p>
+            <a:r>
+              <a:rPr lang="zh-CN" altLang="en-US" dirty="0" smtClean="0"/>
+              <a:t>这些参数包括分辨率</a:t>
+            </a:r>
+            <a:r>
+              <a:rPr lang="en-US" altLang="zh-CN" dirty="0" smtClean="0"/>
+              <a:t>, </a:t>
+            </a:r>
+            <a:r>
+              <a:rPr lang="zh-CN" altLang="en-US" dirty="0" smtClean="0"/>
+              <a:t>位置信息和大小信息等</a:t>
+            </a:r>
+            <a:r>
+              <a:rPr lang="en-US" altLang="zh-CN" dirty="0" smtClean="0"/>
+              <a:t>, </a:t>
+            </a:r>
+            <a:r>
+              <a:rPr lang="zh-CN" altLang="en-US" dirty="0" smtClean="0"/>
+              <a:t>还可以定义一些自定义的参数</a:t>
+            </a:r>
+            <a:r>
+              <a:rPr lang="en-US" altLang="zh-CN" dirty="0" smtClean="0"/>
+              <a:t>.</a:t>
+            </a:r>
+            <a:endParaRPr lang="zh-CN" altLang="en-US" dirty="0"/>
+          </a:p>
+        </p:txBody>
+      </p:sp>
+      <p:sp>
+        <p:nvSpPr>
+          <p:cNvPr id="4" name="灯片编号占位符 3"/>
+          <p:cNvSpPr>
+            <a:spLocks noGrp="1"/>
+          </p:cNvSpPr>
+          <p:nvPr>
+            <p:ph type="sldNum" sz="quarter" idx="10"/>
+          </p:nvPr>
+        </p:nvSpPr>
+        <p:spPr/>
+        <p:txBody>
+          <a:bodyPr/>
+          <a:lstStyle/>
+          <a:p>
+            <a:fld id="{B86E8C81-5AD8-4EDA-A7C1-13F902D5892F}" type="slidenum">
+              <a:rPr lang="zh-CN" altLang="en-US" smtClean="0"/>
+              <a:t>4</a:t>
+            </a:fld>
+            <a:endParaRPr lang="zh-CN" altLang="en-US"/>
+          </a:p>
+        </p:txBody>
+      </p:sp>
+    </p:spTree>
+    <p:extLst>
+      <p:ext uri="{BB962C8B-B14F-4D97-AF65-F5344CB8AC3E}">
+        <p14:creationId xmlns:p14="http://schemas.microsoft.com/office/powerpoint/2010/main" val="1976666827"/>
+      </p:ext>
+    </p:extLst>
+  </p:cSld>
+  <p:clrMapOvr>
+    <a:masterClrMapping/>
+  </p:clrMapOvr>
+</p:notes>
+</file>
+
+<file path=ppt/notesSlides/notesSlide5.xml><?xml version="1.0" encoding="utf-8"?>
+<p:notes xmlns:a="http://schemas.openxmlformats.org/drawingml/2006/main" xmlns:r="http://schemas.openxmlformats.org/officeDocument/2006/relationships" xmlns:p="http://schemas.openxmlformats.org/presentationml/2006/main">
+  <p:cSld>
+    <p:spTree>
+      <p:nvGrpSpPr>
+        <p:cNvPr id="1" name=""/>
+        <p:cNvGrpSpPr/>
+        <p:nvPr/>
+      </p:nvGrpSpPr>
+      <p:grpSpPr>
+        <a:xfrm>
+          <a:off x="0" y="0"/>
+          <a:ext cx="0" cy="0"/>
+          <a:chOff x="0" y="0"/>
+          <a:chExt cx="0" cy="0"/>
+        </a:xfrm>
+      </p:grpSpPr>
+      <p:sp>
+        <p:nvSpPr>
+          <p:cNvPr id="2" name="幻灯片图像占位符 1"/>
+          <p:cNvSpPr>
+            <a:spLocks noGrp="1" noRot="1" noChangeAspect="1"/>
+          </p:cNvSpPr>
+          <p:nvPr>
+            <p:ph type="sldImg"/>
+          </p:nvPr>
+        </p:nvSpPr>
+        <p:spPr/>
+      </p:sp>
+      <p:sp>
+        <p:nvSpPr>
+          <p:cNvPr id="3" name="备注占位符 2"/>
+          <p:cNvSpPr>
+            <a:spLocks noGrp="1"/>
+          </p:cNvSpPr>
+          <p:nvPr>
+            <p:ph type="body" idx="1"/>
+          </p:nvPr>
+        </p:nvSpPr>
+        <p:spPr/>
+        <p:txBody>
+          <a:bodyPr/>
+          <a:lstStyle/>
+          <a:p>
+            <a:r>
+              <a:rPr lang="zh-CN" altLang="en-US" dirty="0" smtClean="0"/>
+              <a:t>在源代码剩余的部分</a:t>
+            </a:r>
+            <a:r>
+              <a:rPr lang="en-US" altLang="zh-CN" dirty="0" smtClean="0"/>
+              <a:t>, </a:t>
+            </a:r>
+            <a:r>
+              <a:rPr lang="zh-CN" altLang="en-US" dirty="0" smtClean="0"/>
+              <a:t>语法</a:t>
+            </a:r>
+            <a:r>
+              <a:rPr lang="en-US" altLang="zh-CN" dirty="0" smtClean="0"/>
+              <a:t>…(</a:t>
+            </a:r>
+            <a:r>
+              <a:rPr lang="zh-CN" altLang="en-US" dirty="0" smtClean="0"/>
+              <a:t>读</a:t>
+            </a:r>
+            <a:endParaRPr lang="en-US" altLang="zh-CN" dirty="0" smtClean="0"/>
+          </a:p>
+          <a:p>
+            <a:r>
+              <a:rPr lang="zh-CN" altLang="en-US" dirty="0" smtClean="0"/>
+              <a:t>由于时间原因</a:t>
+            </a:r>
+            <a:r>
+              <a:rPr lang="en-US" altLang="zh-CN" dirty="0" smtClean="0"/>
+              <a:t>, </a:t>
+            </a:r>
+            <a:r>
+              <a:rPr lang="zh-CN" altLang="en-US" dirty="0" smtClean="0"/>
+              <a:t>具体的语法我们在这里不再赘述</a:t>
+            </a:r>
+            <a:r>
+              <a:rPr lang="en-US" altLang="zh-CN" dirty="0" smtClean="0"/>
+              <a:t>.</a:t>
+            </a:r>
+          </a:p>
+          <a:p>
+            <a:r>
+              <a:rPr lang="zh-CN" altLang="en-US" dirty="0" smtClean="0"/>
+              <a:t>这个文件已经被提交到我们项目的</a:t>
+            </a:r>
+            <a:r>
+              <a:rPr lang="en-US" altLang="zh-CN" dirty="0" err="1" smtClean="0"/>
+              <a:t>github</a:t>
+            </a:r>
+            <a:r>
+              <a:rPr lang="zh-CN" altLang="en-US" dirty="0" smtClean="0"/>
+              <a:t>网页上</a:t>
+            </a:r>
+            <a:endParaRPr lang="zh-CN" altLang="en-US" dirty="0"/>
+          </a:p>
+        </p:txBody>
+      </p:sp>
+      <p:sp>
+        <p:nvSpPr>
+          <p:cNvPr id="4" name="灯片编号占位符 3"/>
+          <p:cNvSpPr>
+            <a:spLocks noGrp="1"/>
+          </p:cNvSpPr>
+          <p:nvPr>
+            <p:ph type="sldNum" sz="quarter" idx="10"/>
+          </p:nvPr>
+        </p:nvSpPr>
+        <p:spPr/>
+        <p:txBody>
+          <a:bodyPr/>
+          <a:lstStyle/>
+          <a:p>
+            <a:fld id="{B86E8C81-5AD8-4EDA-A7C1-13F902D5892F}" type="slidenum">
+              <a:rPr lang="zh-CN" altLang="en-US" smtClean="0"/>
+              <a:t>5</a:t>
+            </a:fld>
+            <a:endParaRPr lang="zh-CN" altLang="en-US"/>
+          </a:p>
+        </p:txBody>
+      </p:sp>
+    </p:spTree>
+    <p:extLst>
+      <p:ext uri="{BB962C8B-B14F-4D97-AF65-F5344CB8AC3E}">
+        <p14:creationId xmlns:p14="http://schemas.microsoft.com/office/powerpoint/2010/main" val="1108574951"/>
+      </p:ext>
+    </p:extLst>
+  </p:cSld>
+  <p:clrMapOvr>
+    <a:masterClrMapping/>
+  </p:clrMapOvr>
+</p:notes>
+</file>
+
+<file path=ppt/notesSlides/notesSlide6.xml><?xml version="1.0" encoding="utf-8"?>
+<p:notes xmlns:a="http://schemas.openxmlformats.org/drawingml/2006/main" xmlns:r="http://schemas.openxmlformats.org/officeDocument/2006/relationships" xmlns:p="http://schemas.openxmlformats.org/presentationml/2006/main">
+  <p:cSld>
+    <p:spTree>
+      <p:nvGrpSpPr>
+        <p:cNvPr id="1" name=""/>
+        <p:cNvGrpSpPr/>
+        <p:nvPr/>
+      </p:nvGrpSpPr>
+      <p:grpSpPr>
+        <a:xfrm>
+          <a:off x="0" y="0"/>
+          <a:ext cx="0" cy="0"/>
+          <a:chOff x="0" y="0"/>
+          <a:chExt cx="0" cy="0"/>
+        </a:xfrm>
+      </p:grpSpPr>
+      <p:sp>
+        <p:nvSpPr>
+          <p:cNvPr id="2" name="幻灯片图像占位符 1"/>
+          <p:cNvSpPr>
+            <a:spLocks noGrp="1" noRot="1" noChangeAspect="1"/>
+          </p:cNvSpPr>
+          <p:nvPr>
+            <p:ph type="sldImg"/>
+          </p:nvPr>
+        </p:nvSpPr>
+        <p:spPr/>
+      </p:sp>
+      <p:sp>
+        <p:nvSpPr>
+          <p:cNvPr id="3" name="备注占位符 2"/>
+          <p:cNvSpPr>
+            <a:spLocks noGrp="1"/>
+          </p:cNvSpPr>
+          <p:nvPr>
+            <p:ph type="body" idx="1"/>
+          </p:nvPr>
+        </p:nvSpPr>
+        <p:spPr/>
+        <p:txBody>
+          <a:bodyPr/>
+          <a:lstStyle/>
+          <a:p>
+            <a:r>
+              <a:rPr lang="zh-CN" altLang="en-US" dirty="0" smtClean="0"/>
+              <a:t>和</a:t>
+            </a:r>
+            <a:r>
+              <a:rPr lang="en-US" altLang="zh-CN" dirty="0" smtClean="0"/>
+              <a:t>java</a:t>
+            </a:r>
+            <a:r>
+              <a:rPr lang="zh-CN" altLang="en-US" dirty="0" smtClean="0"/>
+              <a:t>类似</a:t>
+            </a:r>
+            <a:endParaRPr lang="zh-CN" altLang="en-US" dirty="0"/>
+          </a:p>
+        </p:txBody>
+      </p:sp>
+      <p:sp>
+        <p:nvSpPr>
+          <p:cNvPr id="4" name="灯片编号占位符 3"/>
+          <p:cNvSpPr>
+            <a:spLocks noGrp="1"/>
+          </p:cNvSpPr>
+          <p:nvPr>
+            <p:ph type="sldNum" sz="quarter" idx="10"/>
+          </p:nvPr>
+        </p:nvSpPr>
+        <p:spPr/>
+        <p:txBody>
+          <a:bodyPr/>
+          <a:lstStyle/>
+          <a:p>
+            <a:fld id="{B86E8C81-5AD8-4EDA-A7C1-13F902D5892F}" type="slidenum">
+              <a:rPr lang="zh-CN" altLang="en-US" smtClean="0"/>
+              <a:t>6</a:t>
+            </a:fld>
+            <a:endParaRPr lang="zh-CN" altLang="en-US"/>
+          </a:p>
+        </p:txBody>
+      </p:sp>
+    </p:spTree>
+    <p:extLst>
+      <p:ext uri="{BB962C8B-B14F-4D97-AF65-F5344CB8AC3E}">
+        <p14:creationId xmlns:p14="http://schemas.microsoft.com/office/powerpoint/2010/main" val="2145339972"/>
+      </p:ext>
+    </p:extLst>
+  </p:cSld>
+  <p:clrMapOvr>
+    <a:masterClrMapping/>
+  </p:clrMapOvr>
+</p:notes>
+</file>
+
+<file path=ppt/notesSlides/notesSlide7.xml><?xml version="1.0" encoding="utf-8"?>
+<p:notes xmlns:a="http://schemas.openxmlformats.org/drawingml/2006/main" xmlns:r="http://schemas.openxmlformats.org/officeDocument/2006/relationships" xmlns:p="http://schemas.openxmlformats.org/presentationml/2006/main">
+  <p:cSld>
+    <p:spTree>
+      <p:nvGrpSpPr>
+        <p:cNvPr id="1" name=""/>
+        <p:cNvGrpSpPr/>
+        <p:nvPr/>
+      </p:nvGrpSpPr>
+      <p:grpSpPr>
+        <a:xfrm>
+          <a:off x="0" y="0"/>
+          <a:ext cx="0" cy="0"/>
+          <a:chOff x="0" y="0"/>
+          <a:chExt cx="0" cy="0"/>
+        </a:xfrm>
+      </p:grpSpPr>
+      <p:sp>
+        <p:nvSpPr>
+          <p:cNvPr id="2" name="幻灯片图像占位符 1"/>
+          <p:cNvSpPr>
+            <a:spLocks noGrp="1" noRot="1" noChangeAspect="1"/>
+          </p:cNvSpPr>
+          <p:nvPr>
+            <p:ph type="sldImg"/>
+          </p:nvPr>
+        </p:nvSpPr>
+        <p:spPr/>
+      </p:sp>
+      <p:sp>
+        <p:nvSpPr>
+          <p:cNvPr id="3" name="备注占位符 2"/>
+          <p:cNvSpPr>
+            <a:spLocks noGrp="1"/>
+          </p:cNvSpPr>
+          <p:nvPr>
+            <p:ph type="body" idx="1"/>
+          </p:nvPr>
+        </p:nvSpPr>
+        <p:spPr/>
+        <p:txBody>
+          <a:bodyPr/>
+          <a:lstStyle/>
+          <a:p>
+            <a:r>
+              <a:rPr lang="zh-CN" altLang="en-US" dirty="0" smtClean="0"/>
+              <a:t>这一部分简单类型</a:t>
+            </a:r>
+            <a:r>
+              <a:rPr lang="en-US" altLang="zh-CN" dirty="0" smtClean="0"/>
+              <a:t>…(</a:t>
+            </a:r>
+            <a:r>
+              <a:rPr lang="zh-CN" altLang="en-US" dirty="0" smtClean="0"/>
+              <a:t>读</a:t>
+            </a:r>
+            <a:endParaRPr lang="en-US" altLang="zh-CN" dirty="0" smtClean="0"/>
+          </a:p>
+        </p:txBody>
+      </p:sp>
+      <p:sp>
+        <p:nvSpPr>
+          <p:cNvPr id="4" name="灯片编号占位符 3"/>
+          <p:cNvSpPr>
+            <a:spLocks noGrp="1"/>
+          </p:cNvSpPr>
+          <p:nvPr>
+            <p:ph type="sldNum" sz="quarter" idx="10"/>
+          </p:nvPr>
+        </p:nvSpPr>
+        <p:spPr/>
+        <p:txBody>
+          <a:bodyPr/>
+          <a:lstStyle/>
+          <a:p>
+            <a:fld id="{B86E8C81-5AD8-4EDA-A7C1-13F902D5892F}" type="slidenum">
+              <a:rPr lang="zh-CN" altLang="en-US" smtClean="0"/>
+              <a:t>7</a:t>
+            </a:fld>
+            <a:endParaRPr lang="zh-CN" altLang="en-US"/>
+          </a:p>
+        </p:txBody>
+      </p:sp>
+    </p:spTree>
+    <p:extLst>
+      <p:ext uri="{BB962C8B-B14F-4D97-AF65-F5344CB8AC3E}">
+        <p14:creationId xmlns:p14="http://schemas.microsoft.com/office/powerpoint/2010/main" val="4260565277"/>
+      </p:ext>
+    </p:extLst>
+  </p:cSld>
+  <p:clrMapOvr>
+    <a:masterClrMapping/>
+  </p:clrMapOvr>
+</p:notes>
+</file>
+
+<file path=ppt/notesSlides/notesSlide8.xml><?xml version="1.0" encoding="utf-8"?>
+<p:notes xmlns:a="http://schemas.openxmlformats.org/drawingml/2006/main" xmlns:r="http://schemas.openxmlformats.org/officeDocument/2006/relationships" xmlns:p="http://schemas.openxmlformats.org/presentationml/2006/main">
+  <p:cSld>
+    <p:spTree>
+      <p:nvGrpSpPr>
+        <p:cNvPr id="1" name=""/>
+        <p:cNvGrpSpPr/>
+        <p:nvPr/>
+      </p:nvGrpSpPr>
+      <p:grpSpPr>
+        <a:xfrm>
+          <a:off x="0" y="0"/>
+          <a:ext cx="0" cy="0"/>
+          <a:chOff x="0" y="0"/>
+          <a:chExt cx="0" cy="0"/>
+        </a:xfrm>
+      </p:grpSpPr>
+      <p:sp>
+        <p:nvSpPr>
+          <p:cNvPr id="2" name="幻灯片图像占位符 1"/>
+          <p:cNvSpPr>
+            <a:spLocks noGrp="1" noRot="1" noChangeAspect="1"/>
+          </p:cNvSpPr>
+          <p:nvPr>
+            <p:ph type="sldImg"/>
+          </p:nvPr>
+        </p:nvSpPr>
+        <p:spPr/>
+      </p:sp>
+      <p:sp>
+        <p:nvSpPr>
+          <p:cNvPr id="3" name="备注占位符 2"/>
+          <p:cNvSpPr>
+            <a:spLocks noGrp="1"/>
+          </p:cNvSpPr>
+          <p:nvPr>
+            <p:ph type="body" idx="1"/>
+          </p:nvPr>
+        </p:nvSpPr>
+        <p:spPr/>
+        <p:txBody>
+          <a:bodyPr/>
+          <a:lstStyle/>
+          <a:p>
+            <a:r>
+              <a:rPr lang="zh-CN" altLang="en-US" dirty="0" smtClean="0"/>
+              <a:t>这些混合类型将</a:t>
+            </a:r>
+            <a:r>
+              <a:rPr lang="en-US" altLang="zh-CN" dirty="0" smtClean="0"/>
+              <a:t>…(</a:t>
+            </a:r>
+            <a:r>
+              <a:rPr lang="zh-CN" altLang="en-US" dirty="0" smtClean="0"/>
+              <a:t>读</a:t>
+            </a:r>
+            <a:endParaRPr lang="zh-CN" altLang="en-US" dirty="0"/>
+          </a:p>
+        </p:txBody>
+      </p:sp>
+      <p:sp>
+        <p:nvSpPr>
+          <p:cNvPr id="4" name="灯片编号占位符 3"/>
+          <p:cNvSpPr>
+            <a:spLocks noGrp="1"/>
+          </p:cNvSpPr>
+          <p:nvPr>
+            <p:ph type="sldNum" sz="quarter" idx="10"/>
+          </p:nvPr>
+        </p:nvSpPr>
+        <p:spPr/>
+        <p:txBody>
+          <a:bodyPr/>
+          <a:lstStyle/>
+          <a:p>
+            <a:fld id="{B86E8C81-5AD8-4EDA-A7C1-13F902D5892F}" type="slidenum">
+              <a:rPr lang="zh-CN" altLang="en-US" smtClean="0"/>
+              <a:t>8</a:t>
+            </a:fld>
+            <a:endParaRPr lang="zh-CN" altLang="en-US"/>
+          </a:p>
+        </p:txBody>
+      </p:sp>
+    </p:spTree>
+    <p:extLst>
+      <p:ext uri="{BB962C8B-B14F-4D97-AF65-F5344CB8AC3E}">
+        <p14:creationId xmlns:p14="http://schemas.microsoft.com/office/powerpoint/2010/main" val="1869125674"/>
+      </p:ext>
+    </p:extLst>
+  </p:cSld>
+  <p:clrMapOvr>
+    <a:masterClrMapping/>
+  </p:clrMapOvr>
+</p:notes>
+</file>
+
+<file path=ppt/notesSlides/notesSlide9.xml><?xml version="1.0" encoding="utf-8"?>
+<p:notes xmlns:a="http://schemas.openxmlformats.org/drawingml/2006/main" xmlns:r="http://schemas.openxmlformats.org/officeDocument/2006/relationships" xmlns:p="http://schemas.openxmlformats.org/presentationml/2006/main">
+  <p:cSld>
+    <p:spTree>
+      <p:nvGrpSpPr>
+        <p:cNvPr id="1" name=""/>
+        <p:cNvGrpSpPr/>
+        <p:nvPr/>
+      </p:nvGrpSpPr>
+      <p:grpSpPr>
+        <a:xfrm>
+          <a:off x="0" y="0"/>
+          <a:ext cx="0" cy="0"/>
+          <a:chOff x="0" y="0"/>
+          <a:chExt cx="0" cy="0"/>
+        </a:xfrm>
+      </p:grpSpPr>
+      <p:sp>
+        <p:nvSpPr>
+          <p:cNvPr id="2" name="幻灯片图像占位符 1"/>
+          <p:cNvSpPr>
+            <a:spLocks noGrp="1" noRot="1" noChangeAspect="1"/>
+          </p:cNvSpPr>
+          <p:nvPr>
+            <p:ph type="sldImg"/>
+          </p:nvPr>
+        </p:nvSpPr>
+        <p:spPr/>
+      </p:sp>
+      <p:sp>
+        <p:nvSpPr>
+          <p:cNvPr id="3" name="备注占位符 2"/>
+          <p:cNvSpPr>
+            <a:spLocks noGrp="1"/>
+          </p:cNvSpPr>
+          <p:nvPr>
+            <p:ph type="body" idx="1"/>
+          </p:nvPr>
+        </p:nvSpPr>
+        <p:spPr/>
+        <p:txBody>
+          <a:bodyPr/>
+          <a:lstStyle/>
+          <a:p>
+            <a:r>
+              <a:rPr lang="zh-CN" altLang="en-US" dirty="0" smtClean="0"/>
+              <a:t>我们提供了一个源代码的实例</a:t>
+            </a:r>
+            <a:r>
+              <a:rPr lang="en-US" altLang="zh-CN" dirty="0" smtClean="0"/>
+              <a:t>, </a:t>
+            </a:r>
+            <a:r>
+              <a:rPr lang="zh-CN" altLang="en-US" dirty="0" smtClean="0"/>
+              <a:t>我们之后</a:t>
+            </a:r>
+            <a:r>
+              <a:rPr lang="en-US" altLang="zh-CN" dirty="0" smtClean="0"/>
+              <a:t>…</a:t>
+            </a:r>
+            <a:endParaRPr lang="zh-CN" altLang="en-US" dirty="0"/>
+          </a:p>
+        </p:txBody>
+      </p:sp>
+      <p:sp>
+        <p:nvSpPr>
+          <p:cNvPr id="4" name="灯片编号占位符 3"/>
+          <p:cNvSpPr>
+            <a:spLocks noGrp="1"/>
+          </p:cNvSpPr>
+          <p:nvPr>
+            <p:ph type="sldNum" sz="quarter" idx="10"/>
+          </p:nvPr>
+        </p:nvSpPr>
+        <p:spPr/>
+        <p:txBody>
+          <a:bodyPr/>
+          <a:lstStyle/>
+          <a:p>
+            <a:fld id="{B86E8C81-5AD8-4EDA-A7C1-13F902D5892F}" type="slidenum">
+              <a:rPr lang="zh-CN" altLang="en-US" smtClean="0"/>
+              <a:t>9</a:t>
+            </a:fld>
+            <a:endParaRPr lang="zh-CN" altLang="en-US"/>
+          </a:p>
+        </p:txBody>
+      </p:sp>
+    </p:spTree>
+    <p:extLst>
+      <p:ext uri="{BB962C8B-B14F-4D97-AF65-F5344CB8AC3E}">
+        <p14:creationId xmlns:p14="http://schemas.microsoft.com/office/powerpoint/2010/main" val="982291235"/>
+      </p:ext>
+    </p:extLst>
+  </p:cSld>
+  <p:clrMapOvr>
+    <a:masterClrMapping/>
+  </p:clrMapOvr>
+</p:notes>
+</file>
+
 <file path=ppt/slideLayouts/slideLayout1.xml><?xml version="1.0" encoding="utf-8"?>
 <p:sldLayout xmlns:a="http://schemas.openxmlformats.org/drawingml/2006/main" xmlns:r="http://schemas.openxmlformats.org/officeDocument/2006/relationships" xmlns:p="http://schemas.openxmlformats.org/presentationml/2006/main" type="title" preserve="1">
   <p:cSld name="标题幻灯片">
@@ -274,7 +2395,7 @@
           <a:p>
             <a:fld id="{083CAA3F-EEE4-4A2A-B937-EA059B23C473}" type="datetimeFigureOut">
               <a:rPr lang="zh-CN" altLang="en-US" smtClean="0"/>
-              <a:t>2020/5/28</a:t>
+              <a:t>2020/6/3</a:t>
             </a:fld>
             <a:endParaRPr lang="zh-CN" altLang="en-US"/>
           </a:p>
@@ -472,7 +2593,7 @@
           <a:p>
             <a:fld id="{083CAA3F-EEE4-4A2A-B937-EA059B23C473}" type="datetimeFigureOut">
               <a:rPr lang="zh-CN" altLang="en-US" smtClean="0"/>
-              <a:t>2020/5/28</a:t>
+              <a:t>2020/6/3</a:t>
             </a:fld>
             <a:endParaRPr lang="zh-CN" altLang="en-US"/>
           </a:p>
@@ -680,7 +2801,7 @@
           <a:p>
             <a:fld id="{083CAA3F-EEE4-4A2A-B937-EA059B23C473}" type="datetimeFigureOut">
               <a:rPr lang="zh-CN" altLang="en-US" smtClean="0"/>
-              <a:t>2020/5/28</a:t>
+              <a:t>2020/6/3</a:t>
             </a:fld>
             <a:endParaRPr lang="zh-CN" altLang="en-US"/>
           </a:p>
@@ -878,7 +2999,7 @@
           <a:p>
             <a:fld id="{083CAA3F-EEE4-4A2A-B937-EA059B23C473}" type="datetimeFigureOut">
               <a:rPr lang="zh-CN" altLang="en-US" smtClean="0"/>
-              <a:t>2020/5/28</a:t>
+              <a:t>2020/6/3</a:t>
             </a:fld>
             <a:endParaRPr lang="zh-CN" altLang="en-US"/>
           </a:p>
@@ -1153,7 +3274,7 @@
           <a:p>
             <a:fld id="{083CAA3F-EEE4-4A2A-B937-EA059B23C473}" type="datetimeFigureOut">
               <a:rPr lang="zh-CN" altLang="en-US" smtClean="0"/>
-              <a:t>2020/5/28</a:t>
+              <a:t>2020/6/3</a:t>
             </a:fld>
             <a:endParaRPr lang="zh-CN" altLang="en-US"/>
           </a:p>
@@ -1418,7 +3539,7 @@
           <a:p>
             <a:fld id="{083CAA3F-EEE4-4A2A-B937-EA059B23C473}" type="datetimeFigureOut">
               <a:rPr lang="zh-CN" altLang="en-US" smtClean="0"/>
-              <a:t>2020/5/28</a:t>
+              <a:t>2020/6/3</a:t>
             </a:fld>
             <a:endParaRPr lang="zh-CN" altLang="en-US"/>
           </a:p>
@@ -1830,7 +3951,7 @@
           <a:p>
             <a:fld id="{083CAA3F-EEE4-4A2A-B937-EA059B23C473}" type="datetimeFigureOut">
               <a:rPr lang="zh-CN" altLang="en-US" smtClean="0"/>
-              <a:t>2020/5/28</a:t>
+              <a:t>2020/6/3</a:t>
             </a:fld>
             <a:endParaRPr lang="zh-CN" altLang="en-US"/>
           </a:p>
@@ -1971,7 +4092,7 @@
           <a:p>
             <a:fld id="{083CAA3F-EEE4-4A2A-B937-EA059B23C473}" type="datetimeFigureOut">
               <a:rPr lang="zh-CN" altLang="en-US" smtClean="0"/>
-              <a:t>2020/5/28</a:t>
+              <a:t>2020/6/3</a:t>
             </a:fld>
             <a:endParaRPr lang="zh-CN" altLang="en-US"/>
           </a:p>
@@ -2084,7 +4205,7 @@
           <a:p>
             <a:fld id="{083CAA3F-EEE4-4A2A-B937-EA059B23C473}" type="datetimeFigureOut">
               <a:rPr lang="zh-CN" altLang="en-US" smtClean="0"/>
-              <a:t>2020/5/28</a:t>
+              <a:t>2020/6/3</a:t>
             </a:fld>
             <a:endParaRPr lang="zh-CN" altLang="en-US"/>
           </a:p>
@@ -2395,7 +4516,7 @@
           <a:p>
             <a:fld id="{083CAA3F-EEE4-4A2A-B937-EA059B23C473}" type="datetimeFigureOut">
               <a:rPr lang="zh-CN" altLang="en-US" smtClean="0"/>
-              <a:t>2020/5/28</a:t>
+              <a:t>2020/6/3</a:t>
             </a:fld>
             <a:endParaRPr lang="zh-CN" altLang="en-US"/>
           </a:p>
@@ -2683,7 +4804,7 @@
           <a:p>
             <a:fld id="{083CAA3F-EEE4-4A2A-B937-EA059B23C473}" type="datetimeFigureOut">
               <a:rPr lang="zh-CN" altLang="en-US" smtClean="0"/>
-              <a:t>2020/5/28</a:t>
+              <a:t>2020/6/3</a:t>
             </a:fld>
             <a:endParaRPr lang="zh-CN" altLang="en-US"/>
           </a:p>
@@ -2924,7 +5045,7 @@
           <a:p>
             <a:fld id="{083CAA3F-EEE4-4A2A-B937-EA059B23C473}" type="datetimeFigureOut">
               <a:rPr lang="zh-CN" altLang="en-US" smtClean="0"/>
-              <a:t>2020/5/28</a:t>
+              <a:t>2020/6/3</a:t>
             </a:fld>
             <a:endParaRPr lang="zh-CN" altLang="en-US"/>
           </a:p>
@@ -3416,6 +5537,56 @@
           </a:p>
         </p:txBody>
       </p:sp>
+      <p:sp>
+        <p:nvSpPr>
+          <p:cNvPr id="4" name="文本框 3"/>
+          <p:cNvSpPr txBox="1"/>
+          <p:nvPr/>
+        </p:nvSpPr>
+        <p:spPr>
+          <a:xfrm>
+            <a:off x="0" y="6287248"/>
+            <a:ext cx="7871065" cy="369332"/>
+          </a:xfrm>
+          <a:prstGeom prst="rect">
+            <a:avLst/>
+          </a:prstGeom>
+          <a:noFill/>
+        </p:spPr>
+        <p:txBody>
+          <a:bodyPr wrap="none" rtlCol="0">
+            <a:spAutoFit/>
+          </a:bodyPr>
+          <a:lstStyle/>
+          <a:p>
+            <a:r>
+              <a:rPr lang="en-GB" altLang="zh-CN" dirty="0" smtClean="0"/>
+              <a:t> </a:t>
+            </a:r>
+            <a:r>
+              <a:rPr lang="zh-CN" altLang="en-US" dirty="0" smtClean="0"/>
+              <a:t>项目链接</a:t>
+            </a:r>
+            <a:r>
+              <a:rPr lang="en-US" altLang="zh-CN" dirty="0" smtClean="0"/>
+              <a:t>:</a:t>
+            </a:r>
+            <a:r>
+              <a:rPr lang="en-GB" altLang="zh-CN" dirty="0"/>
+              <a:t> </a:t>
+            </a:r>
+            <a:r>
+              <a:rPr lang="en-GB" altLang="zh-CN" dirty="0" smtClean="0"/>
+              <a:t>   https</a:t>
+            </a:r>
+            <a:r>
+              <a:rPr lang="en-GB" altLang="zh-CN" dirty="0"/>
+              <a:t>://github.com/yx-lu/Scripted-visual-novel-design-language</a:t>
+            </a:r>
+            <a:endParaRPr lang="zh-CN" altLang="en-US" dirty="0"/>
+          </a:p>
+        </p:txBody>
+      </p:sp>
     </p:spTree>
     <p:extLst>
       <p:ext uri="{BB962C8B-B14F-4D97-AF65-F5344CB8AC3E}">
@@ -3711,6 +5882,13 @@
   <p:clrMapOvr>
     <a:masterClrMapping/>
   </p:clrMapOvr>
+  <p:timing>
+    <p:tnLst>
+      <p:par>
+        <p:cTn id="1" dur="indefinite" restart="never" nodeType="tmRoot"/>
+      </p:par>
+    </p:tnLst>
+  </p:timing>
 </p:sld>
 </file>
 
@@ -3828,6 +6006,13 @@
   <p:clrMapOvr>
     <a:masterClrMapping/>
   </p:clrMapOvr>
+  <p:timing>
+    <p:tnLst>
+      <p:par>
+        <p:cTn id="1" dur="indefinite" restart="never" nodeType="tmRoot"/>
+      </p:par>
+    </p:tnLst>
+  </p:timing>
 </p:sld>
 </file>
 
@@ -4050,6 +6235,13 @@
   <p:clrMapOvr>
     <a:masterClrMapping/>
   </p:clrMapOvr>
+  <p:timing>
+    <p:tnLst>
+      <p:par>
+        <p:cTn id="1" dur="indefinite" restart="never" nodeType="tmRoot"/>
+      </p:par>
+    </p:tnLst>
+  </p:timing>
 </p:sld>
 </file>
 
@@ -4159,6 +6351,13 @@
   <p:clrMapOvr>
     <a:masterClrMapping/>
   </p:clrMapOvr>
+  <p:timing>
+    <p:tnLst>
+      <p:par>
+        <p:cTn id="1" dur="indefinite" restart="never" nodeType="tmRoot"/>
+      </p:par>
+    </p:tnLst>
+  </p:timing>
 </p:sld>
 </file>
 
@@ -4326,6 +6525,13 @@
   <p:clrMapOvr>
     <a:masterClrMapping/>
   </p:clrMapOvr>
+  <p:timing>
+    <p:tnLst>
+      <p:par>
+        <p:cTn id="1" dur="indefinite" restart="never" nodeType="tmRoot"/>
+      </p:par>
+    </p:tnLst>
+  </p:timing>
 </p:sld>
 </file>
 
@@ -4438,6 +6644,13 @@
   <p:clrMapOvr>
     <a:masterClrMapping/>
   </p:clrMapOvr>
+  <p:timing>
+    <p:tnLst>
+      <p:par>
+        <p:cTn id="1" dur="indefinite" restart="never" nodeType="tmRoot"/>
+      </p:par>
+    </p:tnLst>
+  </p:timing>
 </p:sld>
 </file>
 
@@ -4514,6 +6727,13 @@
   <p:clrMapOvr>
     <a:masterClrMapping/>
   </p:clrMapOvr>
+  <p:timing>
+    <p:tnLst>
+      <p:par>
+        <p:cTn id="1" dur="indefinite" restart="never" nodeType="tmRoot"/>
+      </p:par>
+    </p:tnLst>
+  </p:timing>
 </p:sld>
 </file>
 
@@ -5905,6 +8125,13 @@
   <p:clrMapOvr>
     <a:masterClrMapping/>
   </p:clrMapOvr>
+  <p:timing>
+    <p:tnLst>
+      <p:par>
+        <p:cTn id="1" dur="indefinite" restart="never" nodeType="tmRoot"/>
+      </p:par>
+    </p:tnLst>
+  </p:timing>
 </p:sld>
 </file>
 
@@ -6416,6 +8643,13 @@
   <p:clrMapOvr>
     <a:masterClrMapping/>
   </p:clrMapOvr>
+  <p:timing>
+    <p:tnLst>
+      <p:par>
+        <p:cTn id="1" dur="indefinite" restart="never" nodeType="tmRoot"/>
+      </p:par>
+    </p:tnLst>
+  </p:timing>
 </p:sld>
 </file>
 
@@ -6600,6 +8834,13 @@
   <p:clrMapOvr>
     <a:masterClrMapping/>
   </p:clrMapOvr>
+  <p:timing>
+    <p:tnLst>
+      <p:par>
+        <p:cTn id="1" dur="indefinite" restart="never" nodeType="tmRoot"/>
+      </p:par>
+    </p:tnLst>
+  </p:timing>
 </p:sld>
 </file>
 
@@ -6790,6 +9031,13 @@
   <p:clrMapOvr>
     <a:masterClrMapping/>
   </p:clrMapOvr>
+  <p:timing>
+    <p:tnLst>
+      <p:par>
+        <p:cTn id="1" dur="indefinite" restart="never" nodeType="tmRoot"/>
+      </p:par>
+    </p:tnLst>
+  </p:timing>
 </p:sld>
 </file>
 
@@ -6998,6 +9246,13 @@
   <p:clrMapOvr>
     <a:masterClrMapping/>
   </p:clrMapOvr>
+  <p:timing>
+    <p:tnLst>
+      <p:par>
+        <p:cTn id="1" dur="indefinite" restart="never" nodeType="tmRoot"/>
+      </p:par>
+    </p:tnLst>
+  </p:timing>
 </p:sld>
 </file>
 
@@ -7264,6 +9519,13 @@
   <p:clrMapOvr>
     <a:masterClrMapping/>
   </p:clrMapOvr>
+  <p:timing>
+    <p:tnLst>
+      <p:par>
+        <p:cTn id="1" dur="indefinite" restart="never" nodeType="tmRoot"/>
+      </p:par>
+    </p:tnLst>
+  </p:timing>
 </p:sld>
 </file>
 
@@ -7377,6 +9639,13 @@
   <p:clrMapOvr>
     <a:masterClrMapping/>
   </p:clrMapOvr>
+  <p:timing>
+    <p:tnLst>
+      <p:par>
+        <p:cTn id="1" dur="indefinite" restart="never" nodeType="tmRoot"/>
+      </p:par>
+    </p:tnLst>
+  </p:timing>
 </p:sld>
 </file>
 
@@ -7673,4 +9942,265 @@
     </a:ext>
   </a:extLst>
 </a:theme>
+</file>
+
+<file path=ppt/theme/theme2.xml><?xml version="1.0" encoding="utf-8"?>
+<a:theme xmlns:a="http://schemas.openxmlformats.org/drawingml/2006/main" name="Office 主题​​">
+  <a:themeElements>
+    <a:clrScheme name="Office">
+      <a:dk1>
+        <a:sysClr val="windowText" lastClr="000000"/>
+      </a:dk1>
+      <a:lt1>
+        <a:sysClr val="window" lastClr="FFFFFF"/>
+      </a:lt1>
+      <a:dk2>
+        <a:srgbClr val="44546A"/>
+      </a:dk2>
+      <a:lt2>
+        <a:srgbClr val="E7E6E6"/>
+      </a:lt2>
+      <a:accent1>
+        <a:srgbClr val="5B9BD5"/>
+      </a:accent1>
+      <a:accent2>
+        <a:srgbClr val="ED7D31"/>
+      </a:accent2>
+      <a:accent3>
+        <a:srgbClr val="A5A5A5"/>
+      </a:accent3>
+      <a:accent4>
+        <a:srgbClr val="FFC000"/>
+      </a:accent4>
+      <a:accent5>
+        <a:srgbClr val="4472C4"/>
+      </a:accent5>
+      <a:accent6>
+        <a:srgbClr val="70AD47"/>
+      </a:accent6>
+      <a:hlink>
+        <a:srgbClr val="0563C1"/>
+      </a:hlink>
+      <a:folHlink>
+        <a:srgbClr val="954F72"/>
+      </a:folHlink>
+    </a:clrScheme>
+    <a:fontScheme name="Office">
+      <a:majorFont>
+        <a:latin typeface="等线 Light" panose="020F0302020204030204"/>
+        <a:ea typeface=""/>
+        <a:cs typeface=""/>
+        <a:font script="Jpan" typeface="游ゴシック Light"/>
+        <a:font script="Hang" typeface="맑은 고딕"/>
+        <a:font script="Hans" typeface="等线 Light"/>
+        <a:font script="Hant" typeface="新細明體"/>
+        <a:font script="Arab" typeface="Times New Roman"/>
+        <a:font script="Hebr" typeface="Times New Roman"/>
+        <a:font script="Thai" typeface="Angsana New"/>
+        <a:font script="Ethi" typeface="Nyala"/>
+        <a:font script="Beng" typeface="Vrinda"/>
+        <a:font script="Gujr" typeface="Shruti"/>
+        <a:font script="Khmr" typeface="MoolBoran"/>
+        <a:font script="Knda" typeface="Tunga"/>
+        <a:font script="Guru" typeface="Raavi"/>
+        <a:font script="Cans" typeface="Euphemia"/>
+        <a:font script="Cher" typeface="Plantagenet Cherokee"/>
+        <a:font script="Yiii" typeface="Microsoft Yi Baiti"/>
+        <a:font script="Tibt" typeface="Microsoft Himalaya"/>
+        <a:font script="Thaa" typeface="MV Boli"/>
+        <a:font script="Deva" typeface="Mangal"/>
+        <a:font script="Telu" typeface="Gautami"/>
+        <a:font script="Taml" typeface="Latha"/>
+        <a:font script="Syrc" typeface="Estrangelo Edessa"/>
+        <a:font script="Orya" typeface="Kalinga"/>
+        <a:font script="Mlym" typeface="Kartika"/>
+        <a:font script="Laoo" typeface="DokChampa"/>
+        <a:font script="Sinh" typeface="Iskoola Pota"/>
+        <a:font script="Mong" typeface="Mongolian Baiti"/>
+        <a:font script="Viet" typeface="Times New Roman"/>
+        <a:font script="Uigh" typeface="Microsoft Uighur"/>
+        <a:font script="Geor" typeface="Sylfaen"/>
+      </a:majorFont>
+      <a:minorFont>
+        <a:latin typeface="等线" panose="020F0502020204030204"/>
+        <a:ea typeface=""/>
+        <a:cs typeface=""/>
+        <a:font script="Jpan" typeface="游ゴシック"/>
+        <a:font script="Hang" typeface="맑은 고딕"/>
+        <a:font script="Hans" typeface="等线"/>
+        <a:font script="Hant" typeface="新細明體"/>
+        <a:font script="Arab" typeface="Arial"/>
+        <a:font script="Hebr" typeface="Arial"/>
+        <a:font script="Thai" typeface="Cordia New"/>
+        <a:font script="Ethi" typeface="Nyala"/>
+        <a:font script="Beng" typeface="Vrinda"/>
+        <a:font script="Gujr" typeface="Shruti"/>
+        <a:font script="Khmr" typeface="DaunPenh"/>
+        <a:font script="Knda" typeface="Tunga"/>
+        <a:font script="Guru" typeface="Raavi"/>
+        <a:font script="Cans" typeface="Euphemia"/>
+        <a:font script="Cher" typeface="Plantagenet Cherokee"/>
+        <a:font script="Yiii" typeface="Microsoft Yi Baiti"/>
+        <a:font script="Tibt" typeface="Microsoft Himalaya"/>
+        <a:font script="Thaa" typeface="MV Boli"/>
+        <a:font script="Deva" typeface="Mangal"/>
+        <a:font script="Telu" typeface="Gautami"/>
+        <a:font script="Taml" typeface="Latha"/>
+        <a:font script="Syrc" typeface="Estrangelo Edessa"/>
+        <a:font script="Orya" typeface="Kalinga"/>
+        <a:font script="Mlym" typeface="Kartika"/>
+        <a:font script="Laoo" typeface="DokChampa"/>
+        <a:font script="Sinh" typeface="Iskoola Pota"/>
+        <a:font script="Mong" typeface="Mongolian Baiti"/>
+        <a:font script="Viet" typeface="Arial"/>
+        <a:font script="Uigh" typeface="Microsoft Uighur"/>
+        <a:font script="Geor" typeface="Sylfaen"/>
+      </a:minorFont>
+    </a:fontScheme>
+    <a:fmtScheme name="Office">
+      <a:fillStyleLst>
+        <a:solidFill>
+          <a:schemeClr val="phClr"/>
+        </a:solidFill>
+        <a:gradFill rotWithShape="1">
+          <a:gsLst>
+            <a:gs pos="0">
+              <a:schemeClr val="phClr">
+                <a:lumMod val="110000"/>
+                <a:satMod val="105000"/>
+                <a:tint val="67000"/>
+              </a:schemeClr>
+            </a:gs>
+            <a:gs pos="50000">
+              <a:schemeClr val="phClr">
+                <a:lumMod val="105000"/>
+                <a:satMod val="103000"/>
+                <a:tint val="73000"/>
+              </a:schemeClr>
+            </a:gs>
+            <a:gs pos="100000">
+              <a:schemeClr val="phClr">
+                <a:lumMod val="105000"/>
+                <a:satMod val="109000"/>
+                <a:tint val="81000"/>
+              </a:schemeClr>
+            </a:gs>
+          </a:gsLst>
+          <a:lin ang="5400000" scaled="0"/>
+        </a:gradFill>
+        <a:gradFill rotWithShape="1">
+          <a:gsLst>
+            <a:gs pos="0">
+              <a:schemeClr val="phClr">
+                <a:satMod val="103000"/>
+                <a:lumMod val="102000"/>
+                <a:tint val="94000"/>
+              </a:schemeClr>
+            </a:gs>
+            <a:gs pos="50000">
+              <a:schemeClr val="phClr">
+                <a:satMod val="110000"/>
+                <a:lumMod val="100000"/>
+                <a:shade val="100000"/>
+              </a:schemeClr>
+            </a:gs>
+            <a:gs pos="100000">
+              <a:schemeClr val="phClr">
+                <a:lumMod val="99000"/>
+                <a:satMod val="120000"/>
+                <a:shade val="78000"/>
+              </a:schemeClr>
+            </a:gs>
+          </a:gsLst>
+          <a:lin ang="5400000" scaled="0"/>
+        </a:gradFill>
+      </a:fillStyleLst>
+      <a:lnStyleLst>
+        <a:ln w="6350" cap="flat" cmpd="sng" algn="ctr">
+          <a:solidFill>
+            <a:schemeClr val="phClr"/>
+          </a:solidFill>
+          <a:prstDash val="solid"/>
+          <a:miter lim="800000"/>
+        </a:ln>
+        <a:ln w="12700" cap="flat" cmpd="sng" algn="ctr">
+          <a:solidFill>
+            <a:schemeClr val="phClr"/>
+          </a:solidFill>
+          <a:prstDash val="solid"/>
+          <a:miter lim="800000"/>
+        </a:ln>
+        <a:ln w="19050" cap="flat" cmpd="sng" algn="ctr">
+          <a:solidFill>
+            <a:schemeClr val="phClr"/>
+          </a:solidFill>
+          <a:prstDash val="solid"/>
+          <a:miter lim="800000"/>
+        </a:ln>
+      </a:lnStyleLst>
+      <a:effectStyleLst>
+        <a:effectStyle>
+          <a:effectLst/>
+        </a:effectStyle>
+        <a:effectStyle>
+          <a:effectLst/>
+        </a:effectStyle>
+        <a:effectStyle>
+          <a:effectLst>
+            <a:outerShdw blurRad="57150" dist="19050" dir="5400000" algn="ctr" rotWithShape="0">
+              <a:srgbClr val="000000">
+                <a:alpha val="63000"/>
+              </a:srgbClr>
+            </a:outerShdw>
+          </a:effectLst>
+        </a:effectStyle>
+      </a:effectStyleLst>
+      <a:bgFillStyleLst>
+        <a:solidFill>
+          <a:schemeClr val="phClr"/>
+        </a:solidFill>
+        <a:solidFill>
+          <a:schemeClr val="phClr">
+            <a:tint val="95000"/>
+            <a:satMod val="170000"/>
+          </a:schemeClr>
+        </a:solidFill>
+        <a:gradFill rotWithShape="1">
+          <a:gsLst>
+            <a:gs pos="0">
+              <a:schemeClr val="phClr">
+                <a:tint val="93000"/>
+                <a:satMod val="150000"/>
+                <a:shade val="98000"/>
+                <a:lumMod val="102000"/>
+              </a:schemeClr>
+            </a:gs>
+            <a:gs pos="50000">
+              <a:schemeClr val="phClr">
+                <a:tint val="98000"/>
+                <a:satMod val="130000"/>
+                <a:shade val="90000"/>
+                <a:lumMod val="103000"/>
+              </a:schemeClr>
+            </a:gs>
+            <a:gs pos="100000">
+              <a:schemeClr val="phClr">
+                <a:shade val="63000"/>
+                <a:satMod val="120000"/>
+              </a:schemeClr>
+            </a:gs>
+          </a:gsLst>
+          <a:lin ang="5400000" scaled="0"/>
+        </a:gradFill>
+      </a:bgFillStyleLst>
+    </a:fmtScheme>
+  </a:themeElements>
+  <a:objectDefaults/>
+  <a:extraClrSchemeLst/>
+  <a:extLst>
+    <a:ext uri="{05A4C25C-085E-4340-85A3-A5531E510DB2}">
+      <thm15:themeFamily xmlns:thm15="http://schemas.microsoft.com/office/thememl/2012/main" name="Office Theme" id="{62F939B6-93AF-4DB8-9C6B-D6C7DFDC589F}" vid="{4A3C46E8-61CC-4603-A589-7422A47A8E4A}"/>
+    </a:ext>
+  </a:extLst>
+</a:theme>
 </file>